--- a/Final-Group-Presentation/Final-Group-Presentation.pptx
+++ b/Final-Group-Presentation/Final-Group-Presentation.pptx
@@ -1,30 +1,29 @@
 
 <file path=ppt/presentation.xml><?xml version="1.0" encoding="utf-8"?>
-<p:presentation xmlns:a="http://schemas.openxmlformats.org/drawingml/2006/main" xmlns:r="http://schemas.openxmlformats.org/officeDocument/2006/relationships" xmlns:p="http://schemas.openxmlformats.org/presentationml/2006/main">
+<p:presentation xmlns:a="http://schemas.openxmlformats.org/drawingml/2006/main" xmlns:r="http://schemas.openxmlformats.org/officeDocument/2006/relationships" xmlns:p="http://schemas.openxmlformats.org/presentationml/2006/main" xmlns:m="http://schemas.openxmlformats.org/officeDocument/2006/math" xmlns:a14="http://schemas.microsoft.com/office/drawing/2010/main">
   <p:sldMasterIdLst>
-    <p:sldMasterId id="2147483648" r:id="rId1"/>
+    <p:sldMasterId id="2147483648" r:id="rId5"/>
   </p:sldMasterIdLst>
   <p:notesMasterIdLst>
-    <p:notesMasterId r:id="rId19"/>
+    <p:notesMasterId r:id="rId7"/>
   </p:notesMasterIdLst>
   <p:sldIdLst>
-    <p:sldId id="256" r:id="rId2"/>
-    <p:sldId id="257" r:id="rId3"/>
-    <p:sldId id="258" r:id="rId4"/>
-    <p:sldId id="259" r:id="rId5"/>
-    <p:sldId id="260" r:id="rId6"/>
-    <p:sldId id="261" r:id="rId7"/>
-    <p:sldId id="262" r:id="rId8"/>
-    <p:sldId id="266" r:id="rId9"/>
-    <p:sldId id="263" r:id="rId10"/>
-    <p:sldId id="264" r:id="rId11"/>
-    <p:sldId id="265" r:id="rId12"/>
-    <p:sldId id="267" r:id="rId13"/>
-    <p:sldId id="268" r:id="rId14"/>
-    <p:sldId id="269" r:id="rId15"/>
-    <p:sldId id="270" r:id="rId16"/>
-    <p:sldId id="271" r:id="rId17"/>
-    <p:sldId id="272" r:id="rId18"/>
+    <p:sldId id="256" r:id="rId8"/>
+    <p:sldId id="257" r:id="rId9"/>
+    <p:sldId id="258" r:id="rId10"/>
+    <p:sldId id="259" r:id="rId11"/>
+    <p:sldId id="260" r:id="rId12"/>
+    <p:sldId id="261" r:id="rId13"/>
+    <p:sldId id="262" r:id="rId14"/>
+    <p:sldId id="263" r:id="rId15"/>
+    <p:sldId id="264" r:id="rId16"/>
+    <p:sldId id="265" r:id="rId17"/>
+    <p:sldId id="266" r:id="rId18"/>
+    <p:sldId id="267" r:id="rId19"/>
+    <p:sldId id="268" r:id="rId20"/>
+    <p:sldId id="269" r:id="rId21"/>
+    <p:sldId id="270" r:id="rId22"/>
+    <p:sldId id="271" r:id="rId23"/>
   </p:sldIdLst>
   <p:sldSz cx="13004800" cy="9753600"/>
   <p:notesSz cx="6858000" cy="9144000"/>
@@ -44,7 +43,7 @@
       <a:buFontTx/>
       <a:buNone/>
       <a:tabLst/>
-      <a:defRPr kumimoji="0" sz="1800" b="0" i="0" u="none" strike="noStrike" cap="none" spc="0" normalizeH="0" baseline="0">
+      <a:defRPr b="0" baseline="0" cap="none" i="0" spc="0" strike="noStrike" sz="1800" u="none" kumimoji="0" normalizeH="0">
         <a:ln>
           <a:noFill/>
         </a:ln>
@@ -70,7 +69,7 @@
       <a:buFontTx/>
       <a:buNone/>
       <a:tabLst/>
-      <a:defRPr kumimoji="0" sz="2400" b="1" i="0" u="none" strike="noStrike" cap="none" spc="0" normalizeH="0" baseline="0">
+      <a:defRPr b="1" baseline="0" cap="none" i="0" spc="0" strike="noStrike" sz="2400" u="none" kumimoji="0" normalizeH="0">
         <a:ln>
           <a:noFill/>
         </a:ln>
@@ -100,7 +99,7 @@
       <a:buFontTx/>
       <a:buNone/>
       <a:tabLst/>
-      <a:defRPr kumimoji="0" sz="2400" b="1" i="0" u="none" strike="noStrike" cap="none" spc="0" normalizeH="0" baseline="0">
+      <a:defRPr b="1" baseline="0" cap="none" i="0" spc="0" strike="noStrike" sz="2400" u="none" kumimoji="0" normalizeH="0">
         <a:ln>
           <a:noFill/>
         </a:ln>
@@ -130,7 +129,7 @@
       <a:buFontTx/>
       <a:buNone/>
       <a:tabLst/>
-      <a:defRPr kumimoji="0" sz="2400" b="1" i="0" u="none" strike="noStrike" cap="none" spc="0" normalizeH="0" baseline="0">
+      <a:defRPr b="1" baseline="0" cap="none" i="0" spc="0" strike="noStrike" sz="2400" u="none" kumimoji="0" normalizeH="0">
         <a:ln>
           <a:noFill/>
         </a:ln>
@@ -160,7 +159,7 @@
       <a:buFontTx/>
       <a:buNone/>
       <a:tabLst/>
-      <a:defRPr kumimoji="0" sz="2400" b="1" i="0" u="none" strike="noStrike" cap="none" spc="0" normalizeH="0" baseline="0">
+      <a:defRPr b="1" baseline="0" cap="none" i="0" spc="0" strike="noStrike" sz="2400" u="none" kumimoji="0" normalizeH="0">
         <a:ln>
           <a:noFill/>
         </a:ln>
@@ -190,7 +189,7 @@
       <a:buFontTx/>
       <a:buNone/>
       <a:tabLst/>
-      <a:defRPr kumimoji="0" sz="2400" b="1" i="0" u="none" strike="noStrike" cap="none" spc="0" normalizeH="0" baseline="0">
+      <a:defRPr b="1" baseline="0" cap="none" i="0" spc="0" strike="noStrike" sz="2400" u="none" kumimoji="0" normalizeH="0">
         <a:ln>
           <a:noFill/>
         </a:ln>
@@ -220,7 +219,7 @@
       <a:buFontTx/>
       <a:buNone/>
       <a:tabLst/>
-      <a:defRPr kumimoji="0" sz="2400" b="1" i="0" u="none" strike="noStrike" cap="none" spc="0" normalizeH="0" baseline="0">
+      <a:defRPr b="1" baseline="0" cap="none" i="0" spc="0" strike="noStrike" sz="2400" u="none" kumimoji="0" normalizeH="0">
         <a:ln>
           <a:noFill/>
         </a:ln>
@@ -250,7 +249,7 @@
       <a:buFontTx/>
       <a:buNone/>
       <a:tabLst/>
-      <a:defRPr kumimoji="0" sz="2400" b="1" i="0" u="none" strike="noStrike" cap="none" spc="0" normalizeH="0" baseline="0">
+      <a:defRPr b="1" baseline="0" cap="none" i="0" spc="0" strike="noStrike" sz="2400" u="none" kumimoji="0" normalizeH="0">
         <a:ln>
           <a:noFill/>
         </a:ln>
@@ -280,7 +279,7 @@
       <a:buFontTx/>
       <a:buNone/>
       <a:tabLst/>
-      <a:defRPr kumimoji="0" sz="2400" b="1" i="0" u="none" strike="noStrike" cap="none" spc="0" normalizeH="0" baseline="0">
+      <a:defRPr b="1" baseline="0" cap="none" i="0" spc="0" strike="noStrike" sz="2400" u="none" kumimoji="0" normalizeH="0">
         <a:ln>
           <a:noFill/>
         </a:ln>
@@ -310,7 +309,7 @@
       <a:buFontTx/>
       <a:buNone/>
       <a:tabLst/>
-      <a:defRPr kumimoji="0" sz="2400" b="1" i="0" u="none" strike="noStrike" cap="none" spc="0" normalizeH="0" baseline="0">
+      <a:defRPr b="1" baseline="0" cap="none" i="0" spc="0" strike="noStrike" sz="2400" u="none" kumimoji="0" normalizeH="0">
         <a:ln>
           <a:noFill/>
         </a:ln>
@@ -329,14 +328,13 @@
 </p:presentation>
 </file>
 
+<file path=ppt/commentAuthors.xml><?xml version="1.0" encoding="utf-8"?>
+<p:cmAuthorLst xmlns:a="http://schemas.openxmlformats.org/drawingml/2006/main" xmlns:r="http://schemas.openxmlformats.org/officeDocument/2006/relationships" xmlns:p="http://schemas.openxmlformats.org/presentationml/2006/main" xmlns:m="http://schemas.openxmlformats.org/officeDocument/2006/math" xmlns:a14="http://schemas.microsoft.com/office/drawing/2010/main"/>
+</file>
+
 <file path=ppt/notesMasters/notesMaster1.xml><?xml version="1.0" encoding="utf-8"?>
-<p:notesMaster xmlns:a="http://schemas.openxmlformats.org/drawingml/2006/main" xmlns:r="http://schemas.openxmlformats.org/officeDocument/2006/relationships" xmlns:p="http://schemas.openxmlformats.org/presentationml/2006/main">
+<p:notesMaster xmlns:a="http://schemas.openxmlformats.org/drawingml/2006/main" xmlns:r="http://schemas.openxmlformats.org/officeDocument/2006/relationships" xmlns:p="http://schemas.openxmlformats.org/presentationml/2006/main" xmlns:m="http://schemas.openxmlformats.org/officeDocument/2006/math" xmlns:a14="http://schemas.microsoft.com/office/drawing/2010/main">
   <p:cSld>
-    <p:bg>
-      <p:bgRef idx="1001">
-        <a:schemeClr val="bg1"/>
-      </p:bgRef>
-    </p:bg>
     <p:spTree>
       <p:nvGrpSpPr>
         <p:cNvPr id="1" name=""/>
@@ -354,9 +352,7 @@
       <p:sp>
         <p:nvSpPr>
           <p:cNvPr id="116" name="Shape 116"/>
-          <p:cNvSpPr>
-            <a:spLocks noGrp="1" noRot="1" noChangeAspect="1"/>
-          </p:cNvSpPr>
+          <p:cNvSpPr/>
           <p:nvPr>
             <p:ph type="sldImg"/>
           </p:nvPr>
@@ -374,16 +370,14 @@
           <a:bodyPr/>
           <a:lstStyle/>
           <a:p>
-            <a:endParaRPr/>
+            <a:pPr/>
           </a:p>
         </p:txBody>
       </p:sp>
       <p:sp>
         <p:nvSpPr>
           <p:cNvPr id="117" name="Shape 117"/>
-          <p:cNvSpPr>
-            <a:spLocks noGrp="1"/>
-          </p:cNvSpPr>
+          <p:cNvSpPr/>
           <p:nvPr>
             <p:ph type="body" sz="quarter" idx="1"/>
           </p:nvPr>
@@ -401,7 +395,7 @@
           <a:bodyPr/>
           <a:lstStyle/>
           <a:p>
-            <a:endParaRPr/>
+            <a:pPr/>
           </a:p>
         </p:txBody>
       </p:sp>
@@ -513,7 +507,7 @@
 </file>
 
 <file path=ppt/slideLayouts/slideLayout1.xml><?xml version="1.0" encoding="utf-8"?>
-<p:sldLayout xmlns:a="http://schemas.openxmlformats.org/drawingml/2006/main" xmlns:r="http://schemas.openxmlformats.org/officeDocument/2006/relationships" xmlns:p="http://schemas.openxmlformats.org/presentationml/2006/main" type="title">
+<p:sldLayout xmlns:a="http://schemas.openxmlformats.org/drawingml/2006/main" xmlns:r="http://schemas.openxmlformats.org/officeDocument/2006/relationships" xmlns:p="http://schemas.openxmlformats.org/presentationml/2006/main" xmlns:m="http://schemas.openxmlformats.org/officeDocument/2006/math" xmlns:a14="http://schemas.microsoft.com/office/drawing/2010/main" type="title" showMasterSp="1" showMasterPhAnim="1">
   <p:cSld name="Title &amp; Subtitle">
     <p:spTree>
       <p:nvGrpSpPr>
@@ -532,9 +526,7 @@
       <p:sp>
         <p:nvSpPr>
           <p:cNvPr id="11" name="Title Text"/>
-          <p:cNvSpPr txBox="1">
-            <a:spLocks noGrp="1"/>
-          </p:cNvSpPr>
+          <p:cNvSpPr txBox="1"/>
           <p:nvPr>
             <p:ph type="title"/>
           </p:nvPr>
@@ -552,6 +544,7 @@
           <a:bodyPr anchor="b"/>
           <a:lstStyle/>
           <a:p>
+            <a:pPr/>
             <a:r>
               <a:t>Title Text</a:t>
             </a:r>
@@ -561,9 +554,7 @@
       <p:sp>
         <p:nvSpPr>
           <p:cNvPr id="12" name="Body Level One…"/>
-          <p:cNvSpPr txBox="1">
-            <a:spLocks noGrp="1"/>
-          </p:cNvSpPr>
+          <p:cNvSpPr txBox="1"/>
           <p:nvPr>
             <p:ph type="body" sz="quarter" idx="1"/>
           </p:nvPr>
@@ -622,6 +613,7 @@
             </a:lvl5pPr>
           </a:lstStyle>
           <a:p>
+            <a:pPr/>
             <a:r>
               <a:t>Body Level One</a:t>
             </a:r>
@@ -655,9 +647,7 @@
       <p:sp>
         <p:nvSpPr>
           <p:cNvPr id="13" name="Slide Number"/>
-          <p:cNvSpPr txBox="1">
-            <a:spLocks noGrp="1"/>
-          </p:cNvSpPr>
+          <p:cNvSpPr txBox="1"/>
           <p:nvPr>
             <p:ph type="sldNum" sz="quarter" idx="2"/>
           </p:nvPr>
@@ -680,10 +670,8 @@
             </a:lvl1pPr>
           </a:lstStyle>
           <a:p>
-            <a:fld id="{86CB4B4D-7CA3-9044-876B-883B54F8677D}" type="slidenum">
-              <a:t>‹#›</a:t>
-            </a:fld>
-            <a:endParaRPr/>
+            <a:pPr/>
+            <a:fld id="{86CB4B4D-7CA3-9044-876B-883B54F8677D}" type="slidenum"/>
           </a:p>
         </p:txBody>
       </p:sp>
@@ -692,12 +680,12 @@
   <p:clrMapOvr>
     <a:masterClrMapping/>
   </p:clrMapOvr>
-  <p:transition spd="med"/>
+  <p:transition xmlns:p14="http://schemas.microsoft.com/office/powerpoint/2010/main" spd="med" advClick="1"/>
 </p:sldLayout>
 </file>
 
 <file path=ppt/slideLayouts/slideLayout10.xml><?xml version="1.0" encoding="utf-8"?>
-<p:sldLayout xmlns:a="http://schemas.openxmlformats.org/drawingml/2006/main" xmlns:r="http://schemas.openxmlformats.org/officeDocument/2006/relationships" xmlns:p="http://schemas.openxmlformats.org/presentationml/2006/main" type="tx">
+<p:sldLayout xmlns:a="http://schemas.openxmlformats.org/drawingml/2006/main" xmlns:r="http://schemas.openxmlformats.org/officeDocument/2006/relationships" xmlns:p="http://schemas.openxmlformats.org/presentationml/2006/main" xmlns:m="http://schemas.openxmlformats.org/officeDocument/2006/math" xmlns:a14="http://schemas.microsoft.com/office/drawing/2010/main" type="tx" showMasterSp="1" showMasterPhAnim="1">
   <p:cSld name="Quote">
     <p:spTree>
       <p:nvGrpSpPr>
@@ -716,9 +704,7 @@
       <p:sp>
         <p:nvSpPr>
           <p:cNvPr id="93" name="–Johnny Appleseed"/>
-          <p:cNvSpPr txBox="1">
-            <a:spLocks noGrp="1"/>
-          </p:cNvSpPr>
+          <p:cNvSpPr txBox="1"/>
           <p:nvPr>
             <p:ph type="body" sz="quarter" idx="13"/>
           </p:nvPr>
@@ -743,10 +729,11 @@
               </a:spcBef>
               <a:buSzTx/>
               <a:buNone/>
-              <a:defRPr sz="2400" i="1"/>
+              <a:defRPr i="1" sz="2400"/>
             </a:lvl1pPr>
           </a:lstStyle>
           <a:p>
+            <a:pPr/>
             <a:r>
               <a:t>–Johnny Appleseed</a:t>
             </a:r>
@@ -756,9 +743,7 @@
       <p:sp>
         <p:nvSpPr>
           <p:cNvPr id="94" name="“Type a quote here.”"/>
-          <p:cNvSpPr txBox="1">
-            <a:spLocks noGrp="1"/>
-          </p:cNvSpPr>
+          <p:cNvSpPr txBox="1"/>
           <p:nvPr>
             <p:ph type="body" sz="quarter" idx="14"/>
           </p:nvPr>
@@ -792,6 +777,7 @@
             </a:lvl1pPr>
           </a:lstStyle>
           <a:p>
+            <a:pPr/>
             <a:r>
               <a:t>“Type a quote here.” </a:t>
             </a:r>
@@ -801,9 +787,7 @@
       <p:sp>
         <p:nvSpPr>
           <p:cNvPr id="95" name="Slide Number"/>
-          <p:cNvSpPr txBox="1">
-            <a:spLocks noGrp="1"/>
-          </p:cNvSpPr>
+          <p:cNvSpPr txBox="1"/>
           <p:nvPr>
             <p:ph type="sldNum" sz="quarter" idx="2"/>
           </p:nvPr>
@@ -817,10 +801,8 @@
           <a:bodyPr/>
           <a:lstStyle/>
           <a:p>
-            <a:fld id="{86CB4B4D-7CA3-9044-876B-883B54F8677D}" type="slidenum">
-              <a:t>‹#›</a:t>
-            </a:fld>
-            <a:endParaRPr/>
+            <a:pPr/>
+            <a:fld id="{86CB4B4D-7CA3-9044-876B-883B54F8677D}" type="slidenum"/>
           </a:p>
         </p:txBody>
       </p:sp>
@@ -829,12 +811,12 @@
   <p:clrMapOvr>
     <a:masterClrMapping/>
   </p:clrMapOvr>
-  <p:transition spd="med"/>
+  <p:transition xmlns:p14="http://schemas.microsoft.com/office/powerpoint/2010/main" spd="med" advClick="1"/>
 </p:sldLayout>
 </file>
 
 <file path=ppt/slideLayouts/slideLayout11.xml><?xml version="1.0" encoding="utf-8"?>
-<p:sldLayout xmlns:a="http://schemas.openxmlformats.org/drawingml/2006/main" xmlns:r="http://schemas.openxmlformats.org/officeDocument/2006/relationships" xmlns:p="http://schemas.openxmlformats.org/presentationml/2006/main" type="tx">
+<p:sldLayout xmlns:a="http://schemas.openxmlformats.org/drawingml/2006/main" xmlns:r="http://schemas.openxmlformats.org/officeDocument/2006/relationships" xmlns:p="http://schemas.openxmlformats.org/presentationml/2006/main" xmlns:m="http://schemas.openxmlformats.org/officeDocument/2006/math" xmlns:a14="http://schemas.microsoft.com/office/drawing/2010/main" type="tx" showMasterSp="1" showMasterPhAnim="1">
   <p:cSld name="Photo">
     <p:spTree>
       <p:nvGrpSpPr>
@@ -853,9 +835,7 @@
       <p:sp>
         <p:nvSpPr>
           <p:cNvPr id="102" name="Image"/>
-          <p:cNvSpPr>
-            <a:spLocks noGrp="1"/>
-          </p:cNvSpPr>
+          <p:cNvSpPr/>
           <p:nvPr>
             <p:ph type="pic" idx="13"/>
           </p:nvPr>
@@ -875,16 +855,14 @@
           </a:bodyPr>
           <a:lstStyle/>
           <a:p>
-            <a:endParaRPr/>
+            <a:pPr/>
           </a:p>
         </p:txBody>
       </p:sp>
       <p:sp>
         <p:nvSpPr>
           <p:cNvPr id="103" name="Slide Number"/>
-          <p:cNvSpPr txBox="1">
-            <a:spLocks noGrp="1"/>
-          </p:cNvSpPr>
+          <p:cNvSpPr txBox="1"/>
           <p:nvPr>
             <p:ph type="sldNum" sz="quarter" idx="2"/>
           </p:nvPr>
@@ -898,10 +876,8 @@
           <a:bodyPr/>
           <a:lstStyle/>
           <a:p>
-            <a:fld id="{86CB4B4D-7CA3-9044-876B-883B54F8677D}" type="slidenum">
-              <a:t>‹#›</a:t>
-            </a:fld>
-            <a:endParaRPr/>
+            <a:pPr/>
+            <a:fld id="{86CB4B4D-7CA3-9044-876B-883B54F8677D}" type="slidenum"/>
           </a:p>
         </p:txBody>
       </p:sp>
@@ -910,12 +886,12 @@
   <p:clrMapOvr>
     <a:masterClrMapping/>
   </p:clrMapOvr>
-  <p:transition spd="med"/>
+  <p:transition xmlns:p14="http://schemas.microsoft.com/office/powerpoint/2010/main" spd="med" advClick="1"/>
 </p:sldLayout>
 </file>
 
 <file path=ppt/slideLayouts/slideLayout12.xml><?xml version="1.0" encoding="utf-8"?>
-<p:sldLayout xmlns:a="http://schemas.openxmlformats.org/drawingml/2006/main" xmlns:r="http://schemas.openxmlformats.org/officeDocument/2006/relationships" xmlns:p="http://schemas.openxmlformats.org/presentationml/2006/main" type="tx">
+<p:sldLayout xmlns:a="http://schemas.openxmlformats.org/drawingml/2006/main" xmlns:r="http://schemas.openxmlformats.org/officeDocument/2006/relationships" xmlns:p="http://schemas.openxmlformats.org/presentationml/2006/main" xmlns:m="http://schemas.openxmlformats.org/officeDocument/2006/math" xmlns:a14="http://schemas.microsoft.com/office/drawing/2010/main" type="tx" showMasterSp="1" showMasterPhAnim="1">
   <p:cSld name="Blank">
     <p:spTree>
       <p:nvGrpSpPr>
@@ -934,9 +910,7 @@
       <p:sp>
         <p:nvSpPr>
           <p:cNvPr id="110" name="Slide Number"/>
-          <p:cNvSpPr txBox="1">
-            <a:spLocks noGrp="1"/>
-          </p:cNvSpPr>
+          <p:cNvSpPr txBox="1"/>
           <p:nvPr>
             <p:ph type="sldNum" sz="quarter" idx="2"/>
           </p:nvPr>
@@ -950,10 +924,8 @@
           <a:bodyPr/>
           <a:lstStyle/>
           <a:p>
-            <a:fld id="{86CB4B4D-7CA3-9044-876B-883B54F8677D}" type="slidenum">
-              <a:t>‹#›</a:t>
-            </a:fld>
-            <a:endParaRPr/>
+            <a:pPr/>
+            <a:fld id="{86CB4B4D-7CA3-9044-876B-883B54F8677D}" type="slidenum"/>
           </a:p>
         </p:txBody>
       </p:sp>
@@ -962,12 +934,12 @@
   <p:clrMapOvr>
     <a:masterClrMapping/>
   </p:clrMapOvr>
-  <p:transition spd="med"/>
+  <p:transition xmlns:p14="http://schemas.microsoft.com/office/powerpoint/2010/main" spd="med" advClick="1"/>
 </p:sldLayout>
 </file>
 
 <file path=ppt/slideLayouts/slideLayout2.xml><?xml version="1.0" encoding="utf-8"?>
-<p:sldLayout xmlns:a="http://schemas.openxmlformats.org/drawingml/2006/main" xmlns:r="http://schemas.openxmlformats.org/officeDocument/2006/relationships" xmlns:p="http://schemas.openxmlformats.org/presentationml/2006/main" type="tx">
+<p:sldLayout xmlns:a="http://schemas.openxmlformats.org/drawingml/2006/main" xmlns:r="http://schemas.openxmlformats.org/officeDocument/2006/relationships" xmlns:p="http://schemas.openxmlformats.org/presentationml/2006/main" xmlns:m="http://schemas.openxmlformats.org/officeDocument/2006/math" xmlns:a14="http://schemas.microsoft.com/office/drawing/2010/main" type="tx" showMasterSp="1" showMasterPhAnim="1">
   <p:cSld name="Photo - Horizontal">
     <p:spTree>
       <p:nvGrpSpPr>
@@ -986,9 +958,7 @@
       <p:sp>
         <p:nvSpPr>
           <p:cNvPr id="20" name="Image"/>
-          <p:cNvSpPr>
-            <a:spLocks noGrp="1"/>
-          </p:cNvSpPr>
+          <p:cNvSpPr/>
           <p:nvPr>
             <p:ph type="pic" idx="13"/>
           </p:nvPr>
@@ -1008,16 +978,14 @@
           </a:bodyPr>
           <a:lstStyle/>
           <a:p>
-            <a:endParaRPr/>
+            <a:pPr/>
           </a:p>
         </p:txBody>
       </p:sp>
       <p:sp>
         <p:nvSpPr>
           <p:cNvPr id="21" name="Title Text"/>
-          <p:cNvSpPr txBox="1">
-            <a:spLocks noGrp="1"/>
-          </p:cNvSpPr>
+          <p:cNvSpPr txBox="1"/>
           <p:nvPr>
             <p:ph type="title"/>
           </p:nvPr>
@@ -1035,6 +1003,7 @@
           <a:bodyPr anchor="b"/>
           <a:lstStyle/>
           <a:p>
+            <a:pPr/>
             <a:r>
               <a:t>Title Text</a:t>
             </a:r>
@@ -1044,9 +1013,7 @@
       <p:sp>
         <p:nvSpPr>
           <p:cNvPr id="22" name="Body Level One…"/>
-          <p:cNvSpPr txBox="1">
-            <a:spLocks noGrp="1"/>
-          </p:cNvSpPr>
+          <p:cNvSpPr txBox="1"/>
           <p:nvPr>
             <p:ph type="body" sz="quarter" idx="1"/>
           </p:nvPr>
@@ -1105,6 +1072,7 @@
             </a:lvl5pPr>
           </a:lstStyle>
           <a:p>
+            <a:pPr/>
             <a:r>
               <a:t>Body Level One</a:t>
             </a:r>
@@ -1138,9 +1106,7 @@
       <p:sp>
         <p:nvSpPr>
           <p:cNvPr id="23" name="Slide Number"/>
-          <p:cNvSpPr txBox="1">
-            <a:spLocks noGrp="1"/>
-          </p:cNvSpPr>
+          <p:cNvSpPr txBox="1"/>
           <p:nvPr>
             <p:ph type="sldNum" sz="quarter" idx="2"/>
           </p:nvPr>
@@ -1154,10 +1120,8 @@
           <a:bodyPr/>
           <a:lstStyle/>
           <a:p>
-            <a:fld id="{86CB4B4D-7CA3-9044-876B-883B54F8677D}" type="slidenum">
-              <a:t>‹#›</a:t>
-            </a:fld>
-            <a:endParaRPr/>
+            <a:pPr/>
+            <a:fld id="{86CB4B4D-7CA3-9044-876B-883B54F8677D}" type="slidenum"/>
           </a:p>
         </p:txBody>
       </p:sp>
@@ -1166,12 +1130,12 @@
   <p:clrMapOvr>
     <a:masterClrMapping/>
   </p:clrMapOvr>
-  <p:transition spd="med"/>
+  <p:transition xmlns:p14="http://schemas.microsoft.com/office/powerpoint/2010/main" spd="med" advClick="1"/>
 </p:sldLayout>
 </file>
 
 <file path=ppt/slideLayouts/slideLayout3.xml><?xml version="1.0" encoding="utf-8"?>
-<p:sldLayout xmlns:a="http://schemas.openxmlformats.org/drawingml/2006/main" xmlns:r="http://schemas.openxmlformats.org/officeDocument/2006/relationships" xmlns:p="http://schemas.openxmlformats.org/presentationml/2006/main" type="tx">
+<p:sldLayout xmlns:a="http://schemas.openxmlformats.org/drawingml/2006/main" xmlns:r="http://schemas.openxmlformats.org/officeDocument/2006/relationships" xmlns:p="http://schemas.openxmlformats.org/presentationml/2006/main" xmlns:m="http://schemas.openxmlformats.org/officeDocument/2006/math" xmlns:a14="http://schemas.microsoft.com/office/drawing/2010/main" type="tx" showMasterSp="1" showMasterPhAnim="1">
   <p:cSld name="Title - Center">
     <p:spTree>
       <p:nvGrpSpPr>
@@ -1190,9 +1154,7 @@
       <p:sp>
         <p:nvSpPr>
           <p:cNvPr id="30" name="Title Text"/>
-          <p:cNvSpPr txBox="1">
-            <a:spLocks noGrp="1"/>
-          </p:cNvSpPr>
+          <p:cNvSpPr txBox="1"/>
           <p:nvPr>
             <p:ph type="title"/>
           </p:nvPr>
@@ -1210,6 +1172,7 @@
           <a:bodyPr/>
           <a:lstStyle/>
           <a:p>
+            <a:pPr/>
             <a:r>
               <a:t>Title Text</a:t>
             </a:r>
@@ -1219,9 +1182,7 @@
       <p:sp>
         <p:nvSpPr>
           <p:cNvPr id="31" name="Slide Number"/>
-          <p:cNvSpPr txBox="1">
-            <a:spLocks noGrp="1"/>
-          </p:cNvSpPr>
+          <p:cNvSpPr txBox="1"/>
           <p:nvPr>
             <p:ph type="sldNum" sz="quarter" idx="2"/>
           </p:nvPr>
@@ -1235,10 +1196,8 @@
           <a:bodyPr/>
           <a:lstStyle/>
           <a:p>
-            <a:fld id="{86CB4B4D-7CA3-9044-876B-883B54F8677D}" type="slidenum">
-              <a:t>‹#›</a:t>
-            </a:fld>
-            <a:endParaRPr/>
+            <a:pPr/>
+            <a:fld id="{86CB4B4D-7CA3-9044-876B-883B54F8677D}" type="slidenum"/>
           </a:p>
         </p:txBody>
       </p:sp>
@@ -1247,12 +1206,12 @@
   <p:clrMapOvr>
     <a:masterClrMapping/>
   </p:clrMapOvr>
-  <p:transition spd="med"/>
+  <p:transition xmlns:p14="http://schemas.microsoft.com/office/powerpoint/2010/main" spd="med" advClick="1"/>
 </p:sldLayout>
 </file>
 
 <file path=ppt/slideLayouts/slideLayout4.xml><?xml version="1.0" encoding="utf-8"?>
-<p:sldLayout xmlns:a="http://schemas.openxmlformats.org/drawingml/2006/main" xmlns:r="http://schemas.openxmlformats.org/officeDocument/2006/relationships" xmlns:p="http://schemas.openxmlformats.org/presentationml/2006/main" type="tx">
+<p:sldLayout xmlns:a="http://schemas.openxmlformats.org/drawingml/2006/main" xmlns:r="http://schemas.openxmlformats.org/officeDocument/2006/relationships" xmlns:p="http://schemas.openxmlformats.org/presentationml/2006/main" xmlns:m="http://schemas.openxmlformats.org/officeDocument/2006/math" xmlns:a14="http://schemas.microsoft.com/office/drawing/2010/main" type="tx" showMasterSp="1" showMasterPhAnim="1">
   <p:cSld name="Photo - Vertical">
     <p:spTree>
       <p:nvGrpSpPr>
@@ -1271,9 +1230,7 @@
       <p:sp>
         <p:nvSpPr>
           <p:cNvPr id="38" name="Image"/>
-          <p:cNvSpPr>
-            <a:spLocks noGrp="1"/>
-          </p:cNvSpPr>
+          <p:cNvSpPr/>
           <p:nvPr>
             <p:ph type="pic" sz="half" idx="13"/>
           </p:nvPr>
@@ -1293,16 +1250,14 @@
           </a:bodyPr>
           <a:lstStyle/>
           <a:p>
-            <a:endParaRPr/>
+            <a:pPr/>
           </a:p>
         </p:txBody>
       </p:sp>
       <p:sp>
         <p:nvSpPr>
           <p:cNvPr id="39" name="Title Text"/>
-          <p:cNvSpPr txBox="1">
-            <a:spLocks noGrp="1"/>
-          </p:cNvSpPr>
+          <p:cNvSpPr txBox="1"/>
           <p:nvPr>
             <p:ph type="title"/>
           </p:nvPr>
@@ -1324,6 +1279,7 @@
             </a:lvl1pPr>
           </a:lstStyle>
           <a:p>
+            <a:pPr/>
             <a:r>
               <a:t>Title Text</a:t>
             </a:r>
@@ -1333,9 +1289,7 @@
       <p:sp>
         <p:nvSpPr>
           <p:cNvPr id="40" name="Body Level One…"/>
-          <p:cNvSpPr txBox="1">
-            <a:spLocks noGrp="1"/>
-          </p:cNvSpPr>
+          <p:cNvSpPr txBox="1"/>
           <p:nvPr>
             <p:ph type="body" sz="quarter" idx="1"/>
           </p:nvPr>
@@ -1394,6 +1348,7 @@
             </a:lvl5pPr>
           </a:lstStyle>
           <a:p>
+            <a:pPr/>
             <a:r>
               <a:t>Body Level One</a:t>
             </a:r>
@@ -1427,9 +1382,7 @@
       <p:sp>
         <p:nvSpPr>
           <p:cNvPr id="41" name="Slide Number"/>
-          <p:cNvSpPr txBox="1">
-            <a:spLocks noGrp="1"/>
-          </p:cNvSpPr>
+          <p:cNvSpPr txBox="1"/>
           <p:nvPr>
             <p:ph type="sldNum" sz="quarter" idx="2"/>
           </p:nvPr>
@@ -1443,10 +1396,8 @@
           <a:bodyPr/>
           <a:lstStyle/>
           <a:p>
-            <a:fld id="{86CB4B4D-7CA3-9044-876B-883B54F8677D}" type="slidenum">
-              <a:t>‹#›</a:t>
-            </a:fld>
-            <a:endParaRPr/>
+            <a:pPr/>
+            <a:fld id="{86CB4B4D-7CA3-9044-876B-883B54F8677D}" type="slidenum"/>
           </a:p>
         </p:txBody>
       </p:sp>
@@ -1455,12 +1406,12 @@
   <p:clrMapOvr>
     <a:masterClrMapping/>
   </p:clrMapOvr>
-  <p:transition spd="med"/>
+  <p:transition xmlns:p14="http://schemas.microsoft.com/office/powerpoint/2010/main" spd="med" advClick="1"/>
 </p:sldLayout>
 </file>
 
 <file path=ppt/slideLayouts/slideLayout5.xml><?xml version="1.0" encoding="utf-8"?>
-<p:sldLayout xmlns:a="http://schemas.openxmlformats.org/drawingml/2006/main" xmlns:r="http://schemas.openxmlformats.org/officeDocument/2006/relationships" xmlns:p="http://schemas.openxmlformats.org/presentationml/2006/main" type="tx">
+<p:sldLayout xmlns:a="http://schemas.openxmlformats.org/drawingml/2006/main" xmlns:r="http://schemas.openxmlformats.org/officeDocument/2006/relationships" xmlns:p="http://schemas.openxmlformats.org/presentationml/2006/main" xmlns:m="http://schemas.openxmlformats.org/officeDocument/2006/math" xmlns:a14="http://schemas.microsoft.com/office/drawing/2010/main" type="tx" showMasterSp="1" showMasterPhAnim="1">
   <p:cSld name="Title - Top">
     <p:spTree>
       <p:nvGrpSpPr>
@@ -1479,9 +1430,7 @@
       <p:sp>
         <p:nvSpPr>
           <p:cNvPr id="48" name="Title Text"/>
-          <p:cNvSpPr txBox="1">
-            <a:spLocks noGrp="1"/>
-          </p:cNvSpPr>
+          <p:cNvSpPr txBox="1"/>
           <p:nvPr>
             <p:ph type="title"/>
           </p:nvPr>
@@ -1495,6 +1444,7 @@
           <a:bodyPr/>
           <a:lstStyle/>
           <a:p>
+            <a:pPr/>
             <a:r>
               <a:t>Title Text</a:t>
             </a:r>
@@ -1504,9 +1454,7 @@
       <p:sp>
         <p:nvSpPr>
           <p:cNvPr id="49" name="Slide Number"/>
-          <p:cNvSpPr txBox="1">
-            <a:spLocks noGrp="1"/>
-          </p:cNvSpPr>
+          <p:cNvSpPr txBox="1"/>
           <p:nvPr>
             <p:ph type="sldNum" sz="quarter" idx="2"/>
           </p:nvPr>
@@ -1520,10 +1468,8 @@
           <a:bodyPr/>
           <a:lstStyle/>
           <a:p>
-            <a:fld id="{86CB4B4D-7CA3-9044-876B-883B54F8677D}" type="slidenum">
-              <a:t>‹#›</a:t>
-            </a:fld>
-            <a:endParaRPr/>
+            <a:pPr/>
+            <a:fld id="{86CB4B4D-7CA3-9044-876B-883B54F8677D}" type="slidenum"/>
           </a:p>
         </p:txBody>
       </p:sp>
@@ -1532,12 +1478,12 @@
   <p:clrMapOvr>
     <a:masterClrMapping/>
   </p:clrMapOvr>
-  <p:transition spd="med"/>
+  <p:transition xmlns:p14="http://schemas.microsoft.com/office/powerpoint/2010/main" spd="med" advClick="1"/>
 </p:sldLayout>
 </file>
 
 <file path=ppt/slideLayouts/slideLayout6.xml><?xml version="1.0" encoding="utf-8"?>
-<p:sldLayout xmlns:a="http://schemas.openxmlformats.org/drawingml/2006/main" xmlns:r="http://schemas.openxmlformats.org/officeDocument/2006/relationships" xmlns:p="http://schemas.openxmlformats.org/presentationml/2006/main" type="tx">
+<p:sldLayout xmlns:a="http://schemas.openxmlformats.org/drawingml/2006/main" xmlns:r="http://schemas.openxmlformats.org/officeDocument/2006/relationships" xmlns:p="http://schemas.openxmlformats.org/presentationml/2006/main" xmlns:m="http://schemas.openxmlformats.org/officeDocument/2006/math" xmlns:a14="http://schemas.microsoft.com/office/drawing/2010/main" type="tx" showMasterSp="1" showMasterPhAnim="1">
   <p:cSld name="Title &amp; Bullets">
     <p:spTree>
       <p:nvGrpSpPr>
@@ -1556,9 +1502,7 @@
       <p:sp>
         <p:nvSpPr>
           <p:cNvPr id="56" name="Title Text"/>
-          <p:cNvSpPr txBox="1">
-            <a:spLocks noGrp="1"/>
-          </p:cNvSpPr>
+          <p:cNvSpPr txBox="1"/>
           <p:nvPr>
             <p:ph type="title"/>
           </p:nvPr>
@@ -1572,6 +1516,7 @@
           <a:bodyPr/>
           <a:lstStyle/>
           <a:p>
+            <a:pPr/>
             <a:r>
               <a:t>Title Text</a:t>
             </a:r>
@@ -1581,9 +1526,7 @@
       <p:sp>
         <p:nvSpPr>
           <p:cNvPr id="57" name="Body Level One…"/>
-          <p:cNvSpPr txBox="1">
-            <a:spLocks noGrp="1"/>
-          </p:cNvSpPr>
+          <p:cNvSpPr txBox="1"/>
           <p:nvPr>
             <p:ph type="body" idx="1"/>
           </p:nvPr>
@@ -1597,6 +1540,7 @@
           <a:bodyPr/>
           <a:lstStyle/>
           <a:p>
+            <a:pPr/>
             <a:r>
               <a:t>Body Level One</a:t>
             </a:r>
@@ -1630,9 +1574,7 @@
       <p:sp>
         <p:nvSpPr>
           <p:cNvPr id="58" name="Slide Number"/>
-          <p:cNvSpPr txBox="1">
-            <a:spLocks noGrp="1"/>
-          </p:cNvSpPr>
+          <p:cNvSpPr txBox="1"/>
           <p:nvPr>
             <p:ph type="sldNum" sz="quarter" idx="2"/>
           </p:nvPr>
@@ -1646,10 +1588,8 @@
           <a:bodyPr/>
           <a:lstStyle/>
           <a:p>
-            <a:fld id="{86CB4B4D-7CA3-9044-876B-883B54F8677D}" type="slidenum">
-              <a:t>‹#›</a:t>
-            </a:fld>
-            <a:endParaRPr/>
+            <a:pPr/>
+            <a:fld id="{86CB4B4D-7CA3-9044-876B-883B54F8677D}" type="slidenum"/>
           </a:p>
         </p:txBody>
       </p:sp>
@@ -1658,12 +1598,12 @@
   <p:clrMapOvr>
     <a:masterClrMapping/>
   </p:clrMapOvr>
-  <p:transition spd="med"/>
+  <p:transition xmlns:p14="http://schemas.microsoft.com/office/powerpoint/2010/main" spd="med" advClick="1"/>
 </p:sldLayout>
 </file>
 
 <file path=ppt/slideLayouts/slideLayout7.xml><?xml version="1.0" encoding="utf-8"?>
-<p:sldLayout xmlns:a="http://schemas.openxmlformats.org/drawingml/2006/main" xmlns:r="http://schemas.openxmlformats.org/officeDocument/2006/relationships" xmlns:p="http://schemas.openxmlformats.org/presentationml/2006/main" type="tx">
+<p:sldLayout xmlns:a="http://schemas.openxmlformats.org/drawingml/2006/main" xmlns:r="http://schemas.openxmlformats.org/officeDocument/2006/relationships" xmlns:p="http://schemas.openxmlformats.org/presentationml/2006/main" xmlns:m="http://schemas.openxmlformats.org/officeDocument/2006/math" xmlns:a14="http://schemas.microsoft.com/office/drawing/2010/main" type="tx" showMasterSp="1" showMasterPhAnim="1">
   <p:cSld name="Title, Bullets &amp; Photo">
     <p:spTree>
       <p:nvGrpSpPr>
@@ -1682,9 +1622,7 @@
       <p:sp>
         <p:nvSpPr>
           <p:cNvPr id="65" name="Image"/>
-          <p:cNvSpPr>
-            <a:spLocks noGrp="1"/>
-          </p:cNvSpPr>
+          <p:cNvSpPr/>
           <p:nvPr>
             <p:ph type="pic" sz="half" idx="13"/>
           </p:nvPr>
@@ -1704,16 +1642,14 @@
           </a:bodyPr>
           <a:lstStyle/>
           <a:p>
-            <a:endParaRPr/>
+            <a:pPr/>
           </a:p>
         </p:txBody>
       </p:sp>
       <p:sp>
         <p:nvSpPr>
           <p:cNvPr id="66" name="Title Text"/>
-          <p:cNvSpPr txBox="1">
-            <a:spLocks noGrp="1"/>
-          </p:cNvSpPr>
+          <p:cNvSpPr txBox="1"/>
           <p:nvPr>
             <p:ph type="title"/>
           </p:nvPr>
@@ -1727,6 +1663,7 @@
           <a:bodyPr/>
           <a:lstStyle/>
           <a:p>
+            <a:pPr/>
             <a:r>
               <a:t>Title Text</a:t>
             </a:r>
@@ -1736,9 +1673,7 @@
       <p:sp>
         <p:nvSpPr>
           <p:cNvPr id="67" name="Body Level One…"/>
-          <p:cNvSpPr txBox="1">
-            <a:spLocks noGrp="1"/>
-          </p:cNvSpPr>
+          <p:cNvSpPr txBox="1"/>
           <p:nvPr>
             <p:ph type="body" sz="half" idx="1"/>
           </p:nvPr>
@@ -1787,6 +1722,7 @@
             </a:lvl5pPr>
           </a:lstStyle>
           <a:p>
+            <a:pPr/>
             <a:r>
               <a:t>Body Level One</a:t>
             </a:r>
@@ -1820,9 +1756,7 @@
       <p:sp>
         <p:nvSpPr>
           <p:cNvPr id="68" name="Slide Number"/>
-          <p:cNvSpPr txBox="1">
-            <a:spLocks noGrp="1"/>
-          </p:cNvSpPr>
+          <p:cNvSpPr txBox="1"/>
           <p:nvPr>
             <p:ph type="sldNum" sz="quarter" idx="2"/>
           </p:nvPr>
@@ -1849,10 +1783,8 @@
             </a:lvl1pPr>
           </a:lstStyle>
           <a:p>
-            <a:fld id="{86CB4B4D-7CA3-9044-876B-883B54F8677D}" type="slidenum">
-              <a:t>‹#›</a:t>
-            </a:fld>
-            <a:endParaRPr/>
+            <a:pPr/>
+            <a:fld id="{86CB4B4D-7CA3-9044-876B-883B54F8677D}" type="slidenum"/>
           </a:p>
         </p:txBody>
       </p:sp>
@@ -1861,12 +1793,12 @@
   <p:clrMapOvr>
     <a:masterClrMapping/>
   </p:clrMapOvr>
-  <p:transition spd="med"/>
+  <p:transition xmlns:p14="http://schemas.microsoft.com/office/powerpoint/2010/main" spd="med" advClick="1"/>
 </p:sldLayout>
 </file>
 
 <file path=ppt/slideLayouts/slideLayout8.xml><?xml version="1.0" encoding="utf-8"?>
-<p:sldLayout xmlns:a="http://schemas.openxmlformats.org/drawingml/2006/main" xmlns:r="http://schemas.openxmlformats.org/officeDocument/2006/relationships" xmlns:p="http://schemas.openxmlformats.org/presentationml/2006/main" type="tx">
+<p:sldLayout xmlns:a="http://schemas.openxmlformats.org/drawingml/2006/main" xmlns:r="http://schemas.openxmlformats.org/officeDocument/2006/relationships" xmlns:p="http://schemas.openxmlformats.org/presentationml/2006/main" xmlns:m="http://schemas.openxmlformats.org/officeDocument/2006/math" xmlns:a14="http://schemas.microsoft.com/office/drawing/2010/main" type="tx" showMasterSp="1" showMasterPhAnim="1">
   <p:cSld name="Bullets">
     <p:spTree>
       <p:nvGrpSpPr>
@@ -1885,9 +1817,7 @@
       <p:sp>
         <p:nvSpPr>
           <p:cNvPr id="75" name="Body Level One…"/>
-          <p:cNvSpPr txBox="1">
-            <a:spLocks noGrp="1"/>
-          </p:cNvSpPr>
+          <p:cNvSpPr txBox="1"/>
           <p:nvPr>
             <p:ph type="body" idx="1"/>
           </p:nvPr>
@@ -1905,6 +1835,7 @@
           <a:bodyPr/>
           <a:lstStyle/>
           <a:p>
+            <a:pPr/>
             <a:r>
               <a:t>Body Level One</a:t>
             </a:r>
@@ -1938,9 +1869,7 @@
       <p:sp>
         <p:nvSpPr>
           <p:cNvPr id="76" name="Slide Number"/>
-          <p:cNvSpPr txBox="1">
-            <a:spLocks noGrp="1"/>
-          </p:cNvSpPr>
+          <p:cNvSpPr txBox="1"/>
           <p:nvPr>
             <p:ph type="sldNum" sz="quarter" idx="2"/>
           </p:nvPr>
@@ -1954,10 +1883,8 @@
           <a:bodyPr/>
           <a:lstStyle/>
           <a:p>
-            <a:fld id="{86CB4B4D-7CA3-9044-876B-883B54F8677D}" type="slidenum">
-              <a:t>‹#›</a:t>
-            </a:fld>
-            <a:endParaRPr/>
+            <a:pPr/>
+            <a:fld id="{86CB4B4D-7CA3-9044-876B-883B54F8677D}" type="slidenum"/>
           </a:p>
         </p:txBody>
       </p:sp>
@@ -1966,12 +1893,12 @@
   <p:clrMapOvr>
     <a:masterClrMapping/>
   </p:clrMapOvr>
-  <p:transition spd="med"/>
+  <p:transition xmlns:p14="http://schemas.microsoft.com/office/powerpoint/2010/main" spd="med" advClick="1"/>
 </p:sldLayout>
 </file>
 
 <file path=ppt/slideLayouts/slideLayout9.xml><?xml version="1.0" encoding="utf-8"?>
-<p:sldLayout xmlns:a="http://schemas.openxmlformats.org/drawingml/2006/main" xmlns:r="http://schemas.openxmlformats.org/officeDocument/2006/relationships" xmlns:p="http://schemas.openxmlformats.org/presentationml/2006/main" type="tx">
+<p:sldLayout xmlns:a="http://schemas.openxmlformats.org/drawingml/2006/main" xmlns:r="http://schemas.openxmlformats.org/officeDocument/2006/relationships" xmlns:p="http://schemas.openxmlformats.org/presentationml/2006/main" xmlns:m="http://schemas.openxmlformats.org/officeDocument/2006/math" xmlns:a14="http://schemas.microsoft.com/office/drawing/2010/main" type="tx" showMasterSp="1" showMasterPhAnim="1">
   <p:cSld name="Photo - 3 Up">
     <p:spTree>
       <p:nvGrpSpPr>
@@ -1990,9 +1917,7 @@
       <p:sp>
         <p:nvSpPr>
           <p:cNvPr id="83" name="Image"/>
-          <p:cNvSpPr>
-            <a:spLocks noGrp="1"/>
-          </p:cNvSpPr>
+          <p:cNvSpPr/>
           <p:nvPr>
             <p:ph type="pic" sz="quarter" idx="13"/>
           </p:nvPr>
@@ -2012,16 +1937,14 @@
           </a:bodyPr>
           <a:lstStyle/>
           <a:p>
-            <a:endParaRPr/>
+            <a:pPr/>
           </a:p>
         </p:txBody>
       </p:sp>
       <p:sp>
         <p:nvSpPr>
           <p:cNvPr id="84" name="Image"/>
-          <p:cNvSpPr>
-            <a:spLocks noGrp="1"/>
-          </p:cNvSpPr>
+          <p:cNvSpPr/>
           <p:nvPr>
             <p:ph type="pic" sz="quarter" idx="14"/>
           </p:nvPr>
@@ -2041,16 +1964,14 @@
           </a:bodyPr>
           <a:lstStyle/>
           <a:p>
-            <a:endParaRPr/>
+            <a:pPr/>
           </a:p>
         </p:txBody>
       </p:sp>
       <p:sp>
         <p:nvSpPr>
           <p:cNvPr id="85" name="Image"/>
-          <p:cNvSpPr>
-            <a:spLocks noGrp="1"/>
-          </p:cNvSpPr>
+          <p:cNvSpPr/>
           <p:nvPr>
             <p:ph type="pic" sz="half" idx="15"/>
           </p:nvPr>
@@ -2070,16 +1991,14 @@
           </a:bodyPr>
           <a:lstStyle/>
           <a:p>
-            <a:endParaRPr/>
+            <a:pPr/>
           </a:p>
         </p:txBody>
       </p:sp>
       <p:sp>
         <p:nvSpPr>
           <p:cNvPr id="86" name="Slide Number"/>
-          <p:cNvSpPr txBox="1">
-            <a:spLocks noGrp="1"/>
-          </p:cNvSpPr>
+          <p:cNvSpPr txBox="1"/>
           <p:nvPr>
             <p:ph type="sldNum" sz="quarter" idx="2"/>
           </p:nvPr>
@@ -2093,10 +2012,8 @@
           <a:bodyPr/>
           <a:lstStyle/>
           <a:p>
-            <a:fld id="{86CB4B4D-7CA3-9044-876B-883B54F8677D}" type="slidenum">
-              <a:t>‹#›</a:t>
-            </a:fld>
-            <a:endParaRPr/>
+            <a:pPr/>
+            <a:fld id="{86CB4B4D-7CA3-9044-876B-883B54F8677D}" type="slidenum"/>
           </a:p>
         </p:txBody>
       </p:sp>
@@ -2105,19 +2022,18 @@
   <p:clrMapOvr>
     <a:masterClrMapping/>
   </p:clrMapOvr>
-  <p:transition spd="med"/>
+  <p:transition xmlns:p14="http://schemas.microsoft.com/office/powerpoint/2010/main" spd="med" advClick="1"/>
 </p:sldLayout>
 </file>
 
 <file path=ppt/slideMasters/slideMaster1.xml><?xml version="1.0" encoding="utf-8"?>
-<p:sldMaster xmlns:a="http://schemas.openxmlformats.org/drawingml/2006/main" xmlns:r="http://schemas.openxmlformats.org/officeDocument/2006/relationships" xmlns:p="http://schemas.openxmlformats.org/presentationml/2006/main">
+<p:sldMaster xmlns:a="http://schemas.openxmlformats.org/drawingml/2006/main" xmlns:r="http://schemas.openxmlformats.org/officeDocument/2006/relationships" xmlns:p="http://schemas.openxmlformats.org/presentationml/2006/main" xmlns:m="http://schemas.openxmlformats.org/officeDocument/2006/math" xmlns:a14="http://schemas.microsoft.com/office/drawing/2010/main">
   <p:cSld>
     <p:bg>
       <p:bgPr>
         <a:solidFill>
           <a:srgbClr val="FFFFFF"/>
         </a:solidFill>
-        <a:effectLst/>
       </p:bgPr>
     </p:bg>
     <p:spTree>
@@ -2137,9 +2053,7 @@
       <p:sp>
         <p:nvSpPr>
           <p:cNvPr id="2" name="Title Text"/>
-          <p:cNvSpPr txBox="1">
-            <a:spLocks noGrp="1"/>
-          </p:cNvSpPr>
+          <p:cNvSpPr txBox="1"/>
           <p:nvPr>
             <p:ph type="title"/>
           </p:nvPr>
@@ -2157,16 +2071,17 @@
           </a:ln>
           <a:extLst>
             <a:ext uri="{C572A759-6A51-4108-AA02-DFA0A04FC94B}">
-              <ma14:wrappingTextBoxFlag xmlns:ma14="http://schemas.microsoft.com/office/mac/drawingml/2011/main" xmlns:a14="http://schemas.microsoft.com/office/drawing/2010/main" xmlns:m="http://schemas.openxmlformats.org/officeDocument/2006/math" xmlns="" val="1"/>
+              <ma14:wrappingTextBoxFlag xmlns:ma14="http://schemas.microsoft.com/office/mac/drawingml/2011/main" val="1"/>
             </a:ext>
           </a:extLst>
         </p:spPr>
         <p:txBody>
           <a:bodyPr lIns="50800" tIns="50800" rIns="50800" bIns="50800" anchor="ctr">
-            <a:normAutofit/>
+            <a:normAutofit fontScale="100000" lnSpcReduction="0"/>
           </a:bodyPr>
           <a:lstStyle/>
           <a:p>
+            <a:pPr/>
             <a:r>
               <a:t>Title Text</a:t>
             </a:r>
@@ -2176,9 +2091,7 @@
       <p:sp>
         <p:nvSpPr>
           <p:cNvPr id="3" name="Body Level One…"/>
-          <p:cNvSpPr txBox="1">
-            <a:spLocks noGrp="1"/>
-          </p:cNvSpPr>
+          <p:cNvSpPr txBox="1"/>
           <p:nvPr>
             <p:ph type="body" idx="1"/>
           </p:nvPr>
@@ -2196,16 +2109,17 @@
           </a:ln>
           <a:extLst>
             <a:ext uri="{C572A759-6A51-4108-AA02-DFA0A04FC94B}">
-              <ma14:wrappingTextBoxFlag xmlns:ma14="http://schemas.microsoft.com/office/mac/drawingml/2011/main" xmlns:a14="http://schemas.microsoft.com/office/drawing/2010/main" xmlns:m="http://schemas.openxmlformats.org/officeDocument/2006/math" xmlns="" val="1"/>
+              <ma14:wrappingTextBoxFlag xmlns:ma14="http://schemas.microsoft.com/office/mac/drawingml/2011/main" val="1"/>
             </a:ext>
           </a:extLst>
         </p:spPr>
         <p:txBody>
           <a:bodyPr lIns="50800" tIns="50800" rIns="50800" bIns="50800" anchor="ctr">
-            <a:normAutofit/>
+            <a:normAutofit fontScale="100000" lnSpcReduction="0"/>
           </a:bodyPr>
           <a:lstStyle/>
           <a:p>
+            <a:pPr/>
             <a:r>
               <a:t>Body Level One</a:t>
             </a:r>
@@ -2239,9 +2153,7 @@
       <p:sp>
         <p:nvSpPr>
           <p:cNvPr id="4" name="Slide Number"/>
-          <p:cNvSpPr txBox="1">
-            <a:spLocks noGrp="1"/>
-          </p:cNvSpPr>
+          <p:cNvSpPr txBox="1"/>
           <p:nvPr>
             <p:ph type="sldNum" sz="quarter" idx="2"/>
           </p:nvPr>
@@ -2264,7 +2176,7 @@
           </a:bodyPr>
           <a:lstStyle>
             <a:lvl1pPr>
-              <a:defRPr sz="1600" b="0">
+              <a:defRPr b="0" sz="1600">
                 <a:latin typeface="Helvetica Neue Light"/>
                 <a:ea typeface="Helvetica Neue Light"/>
                 <a:cs typeface="Helvetica Neue Light"/>
@@ -2273,10 +2185,8 @@
             </a:lvl1pPr>
           </a:lstStyle>
           <a:p>
-            <a:fld id="{86CB4B4D-7CA3-9044-876B-883B54F8677D}" type="slidenum">
-              <a:t>‹#›</a:t>
-            </a:fld>
-            <a:endParaRPr/>
+            <a:pPr/>
+            <a:fld id="{86CB4B4D-7CA3-9044-876B-883B54F8677D}" type="slidenum"/>
           </a:p>
         </p:txBody>
       </p:sp>
@@ -2284,20 +2194,20 @@
   </p:cSld>
   <p:clrMap bg1="lt1" tx1="dk1" bg2="lt2" tx2="dk2" accent1="accent1" accent2="accent2" accent3="accent3" accent4="accent4" accent5="accent5" accent6="accent6" hlink="hlink" folHlink="folHlink"/>
   <p:sldLayoutIdLst>
-    <p:sldLayoutId id="2147483649" r:id="rId1"/>
-    <p:sldLayoutId id="2147483650" r:id="rId2"/>
-    <p:sldLayoutId id="2147483651" r:id="rId3"/>
-    <p:sldLayoutId id="2147483652" r:id="rId4"/>
-    <p:sldLayoutId id="2147483653" r:id="rId5"/>
-    <p:sldLayoutId id="2147483654" r:id="rId6"/>
-    <p:sldLayoutId id="2147483655" r:id="rId7"/>
-    <p:sldLayoutId id="2147483656" r:id="rId8"/>
-    <p:sldLayoutId id="2147483657" r:id="rId9"/>
-    <p:sldLayoutId id="2147483658" r:id="rId10"/>
-    <p:sldLayoutId id="2147483659" r:id="rId11"/>
-    <p:sldLayoutId id="2147483660" r:id="rId12"/>
+    <p:sldLayoutId id="2147483649" r:id="rId2"/>
+    <p:sldLayoutId id="2147483650" r:id="rId3"/>
+    <p:sldLayoutId id="2147483651" r:id="rId4"/>
+    <p:sldLayoutId id="2147483652" r:id="rId5"/>
+    <p:sldLayoutId id="2147483653" r:id="rId6"/>
+    <p:sldLayoutId id="2147483654" r:id="rId7"/>
+    <p:sldLayoutId id="2147483655" r:id="rId8"/>
+    <p:sldLayoutId id="2147483656" r:id="rId9"/>
+    <p:sldLayoutId id="2147483657" r:id="rId10"/>
+    <p:sldLayoutId id="2147483658" r:id="rId11"/>
+    <p:sldLayoutId id="2147483659" r:id="rId12"/>
+    <p:sldLayoutId id="2147483660" r:id="rId13"/>
   </p:sldLayoutIdLst>
-  <p:transition spd="med"/>
+  <p:transition xmlns:p14="http://schemas.microsoft.com/office/powerpoint/2010/main" spd="med" advClick="1"/>
   <p:txStyles>
     <p:titleStyle>
       <a:lvl1pPr marL="0" marR="0" indent="0" algn="ctr" defTabSz="584200" rtl="0" latinLnBrk="0">
@@ -2315,7 +2225,7 @@
         <a:buFontTx/>
         <a:buNone/>
         <a:tabLst/>
-        <a:defRPr sz="8000" b="0" i="0" u="none" strike="noStrike" cap="none" spc="0" baseline="0">
+        <a:defRPr b="0" baseline="0" cap="none" i="0" spc="0" strike="noStrike" sz="8000" u="none">
           <a:ln>
             <a:noFill/>
           </a:ln>
@@ -2344,7 +2254,7 @@
         <a:buFontTx/>
         <a:buNone/>
         <a:tabLst/>
-        <a:defRPr sz="8000" b="0" i="0" u="none" strike="noStrike" cap="none" spc="0" baseline="0">
+        <a:defRPr b="0" baseline="0" cap="none" i="0" spc="0" strike="noStrike" sz="8000" u="none">
           <a:ln>
             <a:noFill/>
           </a:ln>
@@ -2373,7 +2283,7 @@
         <a:buFontTx/>
         <a:buNone/>
         <a:tabLst/>
-        <a:defRPr sz="8000" b="0" i="0" u="none" strike="noStrike" cap="none" spc="0" baseline="0">
+        <a:defRPr b="0" baseline="0" cap="none" i="0" spc="0" strike="noStrike" sz="8000" u="none">
           <a:ln>
             <a:noFill/>
           </a:ln>
@@ -2402,7 +2312,7 @@
         <a:buFontTx/>
         <a:buNone/>
         <a:tabLst/>
-        <a:defRPr sz="8000" b="0" i="0" u="none" strike="noStrike" cap="none" spc="0" baseline="0">
+        <a:defRPr b="0" baseline="0" cap="none" i="0" spc="0" strike="noStrike" sz="8000" u="none">
           <a:ln>
             <a:noFill/>
           </a:ln>
@@ -2431,7 +2341,7 @@
         <a:buFontTx/>
         <a:buNone/>
         <a:tabLst/>
-        <a:defRPr sz="8000" b="0" i="0" u="none" strike="noStrike" cap="none" spc="0" baseline="0">
+        <a:defRPr b="0" baseline="0" cap="none" i="0" spc="0" strike="noStrike" sz="8000" u="none">
           <a:ln>
             <a:noFill/>
           </a:ln>
@@ -2460,7 +2370,7 @@
         <a:buFontTx/>
         <a:buNone/>
         <a:tabLst/>
-        <a:defRPr sz="8000" b="0" i="0" u="none" strike="noStrike" cap="none" spc="0" baseline="0">
+        <a:defRPr b="0" baseline="0" cap="none" i="0" spc="0" strike="noStrike" sz="8000" u="none">
           <a:ln>
             <a:noFill/>
           </a:ln>
@@ -2489,7 +2399,7 @@
         <a:buFontTx/>
         <a:buNone/>
         <a:tabLst/>
-        <a:defRPr sz="8000" b="0" i="0" u="none" strike="noStrike" cap="none" spc="0" baseline="0">
+        <a:defRPr b="0" baseline="0" cap="none" i="0" spc="0" strike="noStrike" sz="8000" u="none">
           <a:ln>
             <a:noFill/>
           </a:ln>
@@ -2518,7 +2428,7 @@
         <a:buFontTx/>
         <a:buNone/>
         <a:tabLst/>
-        <a:defRPr sz="8000" b="0" i="0" u="none" strike="noStrike" cap="none" spc="0" baseline="0">
+        <a:defRPr b="0" baseline="0" cap="none" i="0" spc="0" strike="noStrike" sz="8000" u="none">
           <a:ln>
             <a:noFill/>
           </a:ln>
@@ -2547,7 +2457,7 @@
         <a:buFontTx/>
         <a:buNone/>
         <a:tabLst/>
-        <a:defRPr sz="8000" b="0" i="0" u="none" strike="noStrike" cap="none" spc="0" baseline="0">
+        <a:defRPr b="0" baseline="0" cap="none" i="0" spc="0" strike="noStrike" sz="8000" u="none">
           <a:ln>
             <a:noFill/>
           </a:ln>
@@ -2578,7 +2488,7 @@
         <a:buFontTx/>
         <a:buChar char="•"/>
         <a:tabLst/>
-        <a:defRPr sz="3200" b="0" i="0" u="none" strike="noStrike" cap="none" spc="0" baseline="0">
+        <a:defRPr b="0" baseline="0" cap="none" i="0" spc="0" strike="noStrike" sz="3200" u="none">
           <a:ln>
             <a:noFill/>
           </a:ln>
@@ -2607,7 +2517,7 @@
         <a:buFontTx/>
         <a:buChar char="•"/>
         <a:tabLst/>
-        <a:defRPr sz="3200" b="0" i="0" u="none" strike="noStrike" cap="none" spc="0" baseline="0">
+        <a:defRPr b="0" baseline="0" cap="none" i="0" spc="0" strike="noStrike" sz="3200" u="none">
           <a:ln>
             <a:noFill/>
           </a:ln>
@@ -2636,7 +2546,7 @@
         <a:buFontTx/>
         <a:buChar char="•"/>
         <a:tabLst/>
-        <a:defRPr sz="3200" b="0" i="0" u="none" strike="noStrike" cap="none" spc="0" baseline="0">
+        <a:defRPr b="0" baseline="0" cap="none" i="0" spc="0" strike="noStrike" sz="3200" u="none">
           <a:ln>
             <a:noFill/>
           </a:ln>
@@ -2665,7 +2575,7 @@
         <a:buFontTx/>
         <a:buChar char="•"/>
         <a:tabLst/>
-        <a:defRPr sz="3200" b="0" i="0" u="none" strike="noStrike" cap="none" spc="0" baseline="0">
+        <a:defRPr b="0" baseline="0" cap="none" i="0" spc="0" strike="noStrike" sz="3200" u="none">
           <a:ln>
             <a:noFill/>
           </a:ln>
@@ -2694,7 +2604,7 @@
         <a:buFontTx/>
         <a:buChar char="•"/>
         <a:tabLst/>
-        <a:defRPr sz="3200" b="0" i="0" u="none" strike="noStrike" cap="none" spc="0" baseline="0">
+        <a:defRPr b="0" baseline="0" cap="none" i="0" spc="0" strike="noStrike" sz="3200" u="none">
           <a:ln>
             <a:noFill/>
           </a:ln>
@@ -2723,7 +2633,7 @@
         <a:buFontTx/>
         <a:buChar char="•"/>
         <a:tabLst/>
-        <a:defRPr sz="3200" b="0" i="0" u="none" strike="noStrike" cap="none" spc="0" baseline="0">
+        <a:defRPr b="0" baseline="0" cap="none" i="0" spc="0" strike="noStrike" sz="3200" u="none">
           <a:ln>
             <a:noFill/>
           </a:ln>
@@ -2752,7 +2662,7 @@
         <a:buFontTx/>
         <a:buChar char="•"/>
         <a:tabLst/>
-        <a:defRPr sz="3200" b="0" i="0" u="none" strike="noStrike" cap="none" spc="0" baseline="0">
+        <a:defRPr b="0" baseline="0" cap="none" i="0" spc="0" strike="noStrike" sz="3200" u="none">
           <a:ln>
             <a:noFill/>
           </a:ln>
@@ -2781,7 +2691,7 @@
         <a:buFontTx/>
         <a:buChar char="•"/>
         <a:tabLst/>
-        <a:defRPr sz="3200" b="0" i="0" u="none" strike="noStrike" cap="none" spc="0" baseline="0">
+        <a:defRPr b="0" baseline="0" cap="none" i="0" spc="0" strike="noStrike" sz="3200" u="none">
           <a:ln>
             <a:noFill/>
           </a:ln>
@@ -2810,7 +2720,7 @@
         <a:buFontTx/>
         <a:buChar char="•"/>
         <a:tabLst/>
-        <a:defRPr sz="3200" b="0" i="0" u="none" strike="noStrike" cap="none" spc="0" baseline="0">
+        <a:defRPr b="0" baseline="0" cap="none" i="0" spc="0" strike="noStrike" sz="3200" u="none">
           <a:ln>
             <a:noFill/>
           </a:ln>
@@ -2841,7 +2751,7 @@
         <a:buFontTx/>
         <a:buNone/>
         <a:tabLst/>
-        <a:defRPr sz="1600" b="0" i="0" u="none" strike="noStrike" cap="none" spc="0" baseline="0">
+        <a:defRPr b="0" baseline="0" cap="none" i="0" spc="0" strike="noStrike" sz="1600" u="none">
           <a:ln>
             <a:noFill/>
           </a:ln>
@@ -2870,7 +2780,7 @@
         <a:buFontTx/>
         <a:buNone/>
         <a:tabLst/>
-        <a:defRPr sz="1600" b="0" i="0" u="none" strike="noStrike" cap="none" spc="0" baseline="0">
+        <a:defRPr b="0" baseline="0" cap="none" i="0" spc="0" strike="noStrike" sz="1600" u="none">
           <a:ln>
             <a:noFill/>
           </a:ln>
@@ -2899,7 +2809,7 @@
         <a:buFontTx/>
         <a:buNone/>
         <a:tabLst/>
-        <a:defRPr sz="1600" b="0" i="0" u="none" strike="noStrike" cap="none" spc="0" baseline="0">
+        <a:defRPr b="0" baseline="0" cap="none" i="0" spc="0" strike="noStrike" sz="1600" u="none">
           <a:ln>
             <a:noFill/>
           </a:ln>
@@ -2928,7 +2838,7 @@
         <a:buFontTx/>
         <a:buNone/>
         <a:tabLst/>
-        <a:defRPr sz="1600" b="0" i="0" u="none" strike="noStrike" cap="none" spc="0" baseline="0">
+        <a:defRPr b="0" baseline="0" cap="none" i="0" spc="0" strike="noStrike" sz="1600" u="none">
           <a:ln>
             <a:noFill/>
           </a:ln>
@@ -2957,7 +2867,7 @@
         <a:buFontTx/>
         <a:buNone/>
         <a:tabLst/>
-        <a:defRPr sz="1600" b="0" i="0" u="none" strike="noStrike" cap="none" spc="0" baseline="0">
+        <a:defRPr b="0" baseline="0" cap="none" i="0" spc="0" strike="noStrike" sz="1600" u="none">
           <a:ln>
             <a:noFill/>
           </a:ln>
@@ -2986,7 +2896,7 @@
         <a:buFontTx/>
         <a:buNone/>
         <a:tabLst/>
-        <a:defRPr sz="1600" b="0" i="0" u="none" strike="noStrike" cap="none" spc="0" baseline="0">
+        <a:defRPr b="0" baseline="0" cap="none" i="0" spc="0" strike="noStrike" sz="1600" u="none">
           <a:ln>
             <a:noFill/>
           </a:ln>
@@ -3015,7 +2925,7 @@
         <a:buFontTx/>
         <a:buNone/>
         <a:tabLst/>
-        <a:defRPr sz="1600" b="0" i="0" u="none" strike="noStrike" cap="none" spc="0" baseline="0">
+        <a:defRPr b="0" baseline="0" cap="none" i="0" spc="0" strike="noStrike" sz="1600" u="none">
           <a:ln>
             <a:noFill/>
           </a:ln>
@@ -3044,7 +2954,7 @@
         <a:buFontTx/>
         <a:buNone/>
         <a:tabLst/>
-        <a:defRPr sz="1600" b="0" i="0" u="none" strike="noStrike" cap="none" spc="0" baseline="0">
+        <a:defRPr b="0" baseline="0" cap="none" i="0" spc="0" strike="noStrike" sz="1600" u="none">
           <a:ln>
             <a:noFill/>
           </a:ln>
@@ -3073,7 +2983,7 @@
         <a:buFontTx/>
         <a:buNone/>
         <a:tabLst/>
-        <a:defRPr sz="1600" b="0" i="0" u="none" strike="noStrike" cap="none" spc="0" baseline="0">
+        <a:defRPr b="0" baseline="0" cap="none" i="0" spc="0" strike="noStrike" sz="1600" u="none">
           <a:ln>
             <a:noFill/>
           </a:ln>
@@ -3093,7 +3003,7 @@
 </file>
 
 <file path=ppt/slides/slide1.xml><?xml version="1.0" encoding="utf-8"?>
-<p:sld xmlns:a="http://schemas.openxmlformats.org/drawingml/2006/main" xmlns:r="http://schemas.openxmlformats.org/officeDocument/2006/relationships" xmlns:p="http://schemas.openxmlformats.org/presentationml/2006/main">
+<p:sld xmlns:a="http://schemas.openxmlformats.org/drawingml/2006/main" xmlns:r="http://schemas.openxmlformats.org/officeDocument/2006/relationships" xmlns:p="http://schemas.openxmlformats.org/presentationml/2006/main" xmlns:m="http://schemas.openxmlformats.org/officeDocument/2006/math" xmlns:a14="http://schemas.microsoft.com/office/drawing/2010/main" showMasterSp="1" showMasterPhAnim="1">
   <p:cSld>
     <p:spTree>
       <p:nvGrpSpPr>
@@ -3112,9 +3022,7 @@
       <p:sp>
         <p:nvSpPr>
           <p:cNvPr id="119" name="Cancer Cellularity in Breast Tissue"/>
-          <p:cNvSpPr txBox="1">
-            <a:spLocks noGrp="1"/>
-          </p:cNvSpPr>
+          <p:cNvSpPr txBox="1"/>
           <p:nvPr>
             <p:ph type="ctrTitle"/>
           </p:nvPr>
@@ -3132,6 +3040,7 @@
             </a:lvl1pPr>
           </a:lstStyle>
           <a:p>
+            <a:pPr/>
             <a:r>
               <a:t>Cancer Cellularity in Breast Tissue</a:t>
             </a:r>
@@ -3141,9 +3050,7 @@
       <p:sp>
         <p:nvSpPr>
           <p:cNvPr id="120" name="Shant Ayanian…"/>
-          <p:cNvSpPr txBox="1">
-            <a:spLocks noGrp="1"/>
-          </p:cNvSpPr>
+          <p:cNvSpPr txBox="1"/>
           <p:nvPr>
             <p:ph type="subTitle" sz="quarter" idx="1"/>
           </p:nvPr>
@@ -3154,9 +3061,7 @@
           </a:prstGeom>
         </p:spPr>
         <p:txBody>
-          <a:bodyPr>
-            <a:normAutofit lnSpcReduction="10000"/>
-          </a:bodyPr>
+          <a:bodyPr/>
           <a:lstStyle/>
           <a:p>
             <a:pPr defTabSz="537463">
@@ -3181,93 +3086,12 @@
   <p:clrMapOvr>
     <a:masterClrMapping/>
   </p:clrMapOvr>
-  <p:transition spd="med"/>
+  <p:transition xmlns:p14="http://schemas.microsoft.com/office/powerpoint/2010/main" spd="med" advClick="1"/>
 </p:sld>
 </file>
 
 <file path=ppt/slides/slide10.xml><?xml version="1.0" encoding="utf-8"?>
-<p:sld xmlns:a="http://schemas.openxmlformats.org/drawingml/2006/main" xmlns:r="http://schemas.openxmlformats.org/officeDocument/2006/relationships" xmlns:p="http://schemas.openxmlformats.org/presentationml/2006/main">
-  <p:cSld>
-    <p:spTree>
-      <p:nvGrpSpPr>
-        <p:cNvPr id="1" name=""/>
-        <p:cNvGrpSpPr/>
-        <p:nvPr/>
-      </p:nvGrpSpPr>
-      <p:grpSpPr>
-        <a:xfrm>
-          <a:off x="0" y="0"/>
-          <a:ext cx="0" cy="0"/>
-          <a:chOff x="0" y="0"/>
-          <a:chExt cx="0" cy="0"/>
-        </a:xfrm>
-      </p:grpSpPr>
-      <p:sp>
-        <p:nvSpPr>
-          <p:cNvPr id="142" name="Framework/Codes"/>
-          <p:cNvSpPr txBox="1">
-            <a:spLocks noGrp="1"/>
-          </p:cNvSpPr>
-          <p:nvPr>
-            <p:ph type="title"/>
-          </p:nvPr>
-        </p:nvSpPr>
-        <p:spPr>
-          <a:prstGeom prst="rect">
-            <a:avLst/>
-          </a:prstGeom>
-        </p:spPr>
-        <p:txBody>
-          <a:bodyPr/>
-          <a:lstStyle/>
-          <a:p>
-            <a:r>
-              <a:t>Framework/Codes</a:t>
-            </a:r>
-          </a:p>
-        </p:txBody>
-      </p:sp>
-      <p:sp>
-        <p:nvSpPr>
-          <p:cNvPr id="143" name="PyTorch was used as the framework to implement a deep convolutional neural network to conduct a regression analysis to train and then predict the cellularity of the data.…"/>
-          <p:cNvSpPr txBox="1">
-            <a:spLocks noGrp="1"/>
-          </p:cNvSpPr>
-          <p:nvPr>
-            <p:ph type="body" idx="1"/>
-          </p:nvPr>
-        </p:nvSpPr>
-        <p:spPr>
-          <a:prstGeom prst="rect">
-            <a:avLst/>
-          </a:prstGeom>
-        </p:spPr>
-        <p:txBody>
-          <a:bodyPr/>
-          <a:lstStyle/>
-          <a:p>
-            <a:r>
-              <a:t>PyTorch was used as the framework to implement a deep convolutional neural network to conduct a regression analysis to train and then predict the cellularity of the data. </a:t>
-            </a:r>
-          </a:p>
-          <a:p>
-            <a:r>
-              <a:t>The initial network was a shallow network with two convolution networks as well as two pooling networks, two ReLUs and a final Linear layer as the output layer.</a:t>
-            </a:r>
-          </a:p>
-        </p:txBody>
-      </p:sp>
-    </p:spTree>
-  </p:cSld>
-  <p:clrMapOvr>
-    <a:masterClrMapping/>
-  </p:clrMapOvr>
-  <p:transition spd="med"/>
-</p:sld>
-</file>
-
-<file path=ppt/slides/slide11.xml><?xml version="1.0" encoding="utf-8"?>
-<p:sld xmlns:a="http://schemas.openxmlformats.org/drawingml/2006/main" xmlns:r="http://schemas.openxmlformats.org/officeDocument/2006/relationships" xmlns:p="http://schemas.openxmlformats.org/presentationml/2006/main">
+<p:sld xmlns:a="http://schemas.openxmlformats.org/drawingml/2006/main" xmlns:r="http://schemas.openxmlformats.org/officeDocument/2006/relationships" xmlns:p="http://schemas.openxmlformats.org/presentationml/2006/main" xmlns:m="http://schemas.openxmlformats.org/officeDocument/2006/math" xmlns:a14="http://schemas.microsoft.com/office/drawing/2010/main" showMasterSp="1" showMasterPhAnim="1">
   <p:cSld>
     <p:spTree>
       <p:nvGrpSpPr>
@@ -3286,9 +3110,7 @@
       <p:sp>
         <p:nvSpPr>
           <p:cNvPr id="145" name="Framework/Codes"/>
-          <p:cNvSpPr txBox="1">
-            <a:spLocks noGrp="1"/>
-          </p:cNvSpPr>
+          <p:cNvSpPr txBox="1"/>
           <p:nvPr>
             <p:ph type="title"/>
           </p:nvPr>
@@ -3302,6 +3124,7 @@
           <a:bodyPr/>
           <a:lstStyle/>
           <a:p>
+            <a:pPr/>
             <a:r>
               <a:t>Framework/Codes</a:t>
             </a:r>
@@ -3311,9 +3134,7 @@
       <p:sp>
         <p:nvSpPr>
           <p:cNvPr id="146" name="The second network was a deep network (ResNet).…"/>
-          <p:cNvSpPr txBox="1">
-            <a:spLocks noGrp="1"/>
-          </p:cNvSpPr>
+          <p:cNvSpPr txBox="1"/>
           <p:nvPr>
             <p:ph type="body" idx="1"/>
           </p:nvPr>
@@ -3327,16 +3148,19 @@
           <a:bodyPr/>
           <a:lstStyle/>
           <a:p>
+            <a:pPr/>
             <a:r>
               <a:t>The second network was a deep network (ResNet). </a:t>
             </a:r>
           </a:p>
           <a:p>
+            <a:pPr/>
             <a:r>
               <a:t>The third network was dilated convolutional network. </a:t>
             </a:r>
           </a:p>
           <a:p>
+            <a:pPr/>
             <a:r>
               <a:t>The fourth network was DenseNet121. </a:t>
             </a:r>
@@ -3348,12 +3172,91 @@
   <p:clrMapOvr>
     <a:masterClrMapping/>
   </p:clrMapOvr>
-  <p:transition spd="med"/>
+  <p:transition xmlns:p14="http://schemas.microsoft.com/office/powerpoint/2010/main" spd="med" advClick="1"/>
+</p:sld>
+</file>
+
+<file path=ppt/slides/slide11.xml><?xml version="1.0" encoding="utf-8"?>
+<p:sld xmlns:a="http://schemas.openxmlformats.org/drawingml/2006/main" xmlns:r="http://schemas.openxmlformats.org/officeDocument/2006/relationships" xmlns:p="http://schemas.openxmlformats.org/presentationml/2006/main" xmlns:m="http://schemas.openxmlformats.org/officeDocument/2006/math" xmlns:a14="http://schemas.microsoft.com/office/drawing/2010/main" showMasterSp="1" showMasterPhAnim="1">
+  <p:cSld>
+    <p:spTree>
+      <p:nvGrpSpPr>
+        <p:cNvPr id="1" name=""/>
+        <p:cNvGrpSpPr/>
+        <p:nvPr/>
+      </p:nvGrpSpPr>
+      <p:grpSpPr>
+        <a:xfrm>
+          <a:off x="0" y="0"/>
+          <a:ext cx="0" cy="0"/>
+          <a:chOff x="0" y="0"/>
+          <a:chExt cx="0" cy="0"/>
+        </a:xfrm>
+      </p:grpSpPr>
+      <p:sp>
+        <p:nvSpPr>
+          <p:cNvPr id="148" name="Results"/>
+          <p:cNvSpPr txBox="1"/>
+          <p:nvPr>
+            <p:ph type="title"/>
+          </p:nvPr>
+        </p:nvSpPr>
+        <p:spPr>
+          <a:prstGeom prst="rect">
+            <a:avLst/>
+          </a:prstGeom>
+        </p:spPr>
+        <p:txBody>
+          <a:bodyPr/>
+          <a:lstStyle/>
+          <a:p>
+            <a:pPr/>
+            <a:r>
+              <a:t>Results</a:t>
+            </a:r>
+          </a:p>
+        </p:txBody>
+      </p:sp>
+      <p:pic>
+        <p:nvPicPr>
+          <p:cNvPr id="149" name="figure_1-1.png" descr="figure_1-1.png"/>
+          <p:cNvPicPr>
+            <a:picLocks noChangeAspect="1"/>
+          </p:cNvPicPr>
+          <p:nvPr/>
+        </p:nvPicPr>
+        <p:blipFill>
+          <a:blip r:embed="rId2">
+            <a:extLst/>
+          </a:blip>
+          <a:stretch>
+            <a:fillRect/>
+          </a:stretch>
+        </p:blipFill>
+        <p:spPr>
+          <a:xfrm>
+            <a:off x="1422400" y="1930400"/>
+            <a:ext cx="10160000" cy="7620000"/>
+          </a:xfrm>
+          <a:prstGeom prst="rect">
+            <a:avLst/>
+          </a:prstGeom>
+          <a:ln w="12700">
+            <a:miter lim="400000"/>
+          </a:ln>
+        </p:spPr>
+      </p:pic>
+    </p:spTree>
+  </p:cSld>
+  <p:clrMapOvr>
+    <a:masterClrMapping/>
+  </p:clrMapOvr>
+  <p:transition xmlns:p14="http://schemas.microsoft.com/office/powerpoint/2010/main" spd="med" advClick="1"/>
 </p:sld>
 </file>
 
 <file path=ppt/slides/slide12.xml><?xml version="1.0" encoding="utf-8"?>
-<p:sld xmlns:a="http://schemas.openxmlformats.org/drawingml/2006/main" xmlns:r="http://schemas.openxmlformats.org/officeDocument/2006/relationships" xmlns:p="http://schemas.openxmlformats.org/presentationml/2006/main">
+<p:sld xmlns:a="http://schemas.openxmlformats.org/drawingml/2006/main" xmlns:r="http://schemas.openxmlformats.org/officeDocument/2006/relationships" xmlns:p="http://schemas.openxmlformats.org/presentationml/2006/main" xmlns:m="http://schemas.openxmlformats.org/officeDocument/2006/math" xmlns:a14="http://schemas.microsoft.com/office/drawing/2010/main" showMasterSp="1" showMasterPhAnim="1">
   <p:cSld>
     <p:spTree>
       <p:nvGrpSpPr>
@@ -3372,9 +3275,7 @@
       <p:sp>
         <p:nvSpPr>
           <p:cNvPr id="151" name="Shallow Network"/>
-          <p:cNvSpPr txBox="1">
-            <a:spLocks noGrp="1"/>
-          </p:cNvSpPr>
+          <p:cNvSpPr txBox="1"/>
           <p:nvPr>
             <p:ph type="title"/>
           </p:nvPr>
@@ -3388,6 +3289,7 @@
           <a:bodyPr/>
           <a:lstStyle/>
           <a:p>
+            <a:pPr/>
             <a:r>
               <a:t>Shallow Network</a:t>
             </a:r>
@@ -3428,12 +3330,12 @@
   <p:clrMapOvr>
     <a:masterClrMapping/>
   </p:clrMapOvr>
-  <p:transition spd="med"/>
+  <p:transition xmlns:p14="http://schemas.microsoft.com/office/powerpoint/2010/main" spd="med" advClick="1"/>
 </p:sld>
 </file>
 
 <file path=ppt/slides/slide13.xml><?xml version="1.0" encoding="utf-8"?>
-<p:sld xmlns:a="http://schemas.openxmlformats.org/drawingml/2006/main" xmlns:r="http://schemas.openxmlformats.org/officeDocument/2006/relationships" xmlns:p="http://schemas.openxmlformats.org/presentationml/2006/main">
+<p:sld xmlns:a="http://schemas.openxmlformats.org/drawingml/2006/main" xmlns:r="http://schemas.openxmlformats.org/officeDocument/2006/relationships" xmlns:p="http://schemas.openxmlformats.org/presentationml/2006/main" xmlns:m="http://schemas.openxmlformats.org/officeDocument/2006/math" xmlns:a14="http://schemas.microsoft.com/office/drawing/2010/main" showMasterSp="1" showMasterPhAnim="1">
   <p:cSld>
     <p:spTree>
       <p:nvGrpSpPr>
@@ -3452,9 +3354,7 @@
       <p:sp>
         <p:nvSpPr>
           <p:cNvPr id="154" name="ResNet Network"/>
-          <p:cNvSpPr txBox="1">
-            <a:spLocks noGrp="1"/>
-          </p:cNvSpPr>
+          <p:cNvSpPr txBox="1"/>
           <p:nvPr>
             <p:ph type="title"/>
           </p:nvPr>
@@ -3468,6 +3368,7 @@
           <a:bodyPr/>
           <a:lstStyle/>
           <a:p>
+            <a:pPr/>
             <a:r>
               <a:t>ResNet Network</a:t>
             </a:r>
@@ -3508,12 +3409,12 @@
   <p:clrMapOvr>
     <a:masterClrMapping/>
   </p:clrMapOvr>
-  <p:transition spd="med"/>
+  <p:transition xmlns:p14="http://schemas.microsoft.com/office/powerpoint/2010/main" spd="med" advClick="1"/>
 </p:sld>
 </file>
 
 <file path=ppt/slides/slide14.xml><?xml version="1.0" encoding="utf-8"?>
-<p:sld xmlns:a="http://schemas.openxmlformats.org/drawingml/2006/main" xmlns:r="http://schemas.openxmlformats.org/officeDocument/2006/relationships" xmlns:p="http://schemas.openxmlformats.org/presentationml/2006/main">
+<p:sld xmlns:a="http://schemas.openxmlformats.org/drawingml/2006/main" xmlns:r="http://schemas.openxmlformats.org/officeDocument/2006/relationships" xmlns:p="http://schemas.openxmlformats.org/presentationml/2006/main" xmlns:m="http://schemas.openxmlformats.org/officeDocument/2006/math" xmlns:a14="http://schemas.microsoft.com/office/drawing/2010/main" showMasterSp="1" showMasterPhAnim="1">
   <p:cSld>
     <p:spTree>
       <p:nvGrpSpPr>
@@ -3532,9 +3433,7 @@
       <p:sp>
         <p:nvSpPr>
           <p:cNvPr id="157" name="ResNet Network"/>
-          <p:cNvSpPr txBox="1">
-            <a:spLocks noGrp="1"/>
-          </p:cNvSpPr>
+          <p:cNvSpPr txBox="1"/>
           <p:nvPr>
             <p:ph type="title"/>
           </p:nvPr>
@@ -3548,6 +3447,7 @@
           <a:bodyPr/>
           <a:lstStyle/>
           <a:p>
+            <a:pPr/>
             <a:r>
               <a:t>ResNet Network</a:t>
             </a:r>
@@ -3588,12 +3488,12 @@
   <p:clrMapOvr>
     <a:masterClrMapping/>
   </p:clrMapOvr>
-  <p:transition spd="med"/>
+  <p:transition xmlns:p14="http://schemas.microsoft.com/office/powerpoint/2010/main" spd="med" advClick="1"/>
 </p:sld>
 </file>
 
 <file path=ppt/slides/slide15.xml><?xml version="1.0" encoding="utf-8"?>
-<p:sld xmlns:a="http://schemas.openxmlformats.org/drawingml/2006/main" xmlns:r="http://schemas.openxmlformats.org/officeDocument/2006/relationships" xmlns:p="http://schemas.openxmlformats.org/presentationml/2006/main">
+<p:sld xmlns:a="http://schemas.openxmlformats.org/drawingml/2006/main" xmlns:r="http://schemas.openxmlformats.org/officeDocument/2006/relationships" xmlns:p="http://schemas.openxmlformats.org/presentationml/2006/main" xmlns:m="http://schemas.openxmlformats.org/officeDocument/2006/math" xmlns:a14="http://schemas.microsoft.com/office/drawing/2010/main" showMasterSp="1" showMasterPhAnim="1">
   <p:cSld>
     <p:spTree>
       <p:nvGrpSpPr>
@@ -3612,9 +3512,7 @@
       <p:sp>
         <p:nvSpPr>
           <p:cNvPr id="160" name="Dilated Network"/>
-          <p:cNvSpPr txBox="1">
-            <a:spLocks noGrp="1"/>
-          </p:cNvSpPr>
+          <p:cNvSpPr txBox="1"/>
           <p:nvPr>
             <p:ph type="title"/>
           </p:nvPr>
@@ -3628,6 +3526,7 @@
           <a:bodyPr/>
           <a:lstStyle/>
           <a:p>
+            <a:pPr/>
             <a:r>
               <a:t>Dilated Network</a:t>
             </a:r>
@@ -3668,12 +3567,12 @@
   <p:clrMapOvr>
     <a:masterClrMapping/>
   </p:clrMapOvr>
-  <p:transition spd="med"/>
+  <p:transition xmlns:p14="http://schemas.microsoft.com/office/powerpoint/2010/main" spd="med" advClick="1"/>
 </p:sld>
 </file>
 
 <file path=ppt/slides/slide16.xml><?xml version="1.0" encoding="utf-8"?>
-<p:sld xmlns:a="http://schemas.openxmlformats.org/drawingml/2006/main" xmlns:r="http://schemas.openxmlformats.org/officeDocument/2006/relationships" xmlns:p="http://schemas.openxmlformats.org/presentationml/2006/main">
+<p:sld xmlns:a="http://schemas.openxmlformats.org/drawingml/2006/main" xmlns:r="http://schemas.openxmlformats.org/officeDocument/2006/relationships" xmlns:p="http://schemas.openxmlformats.org/presentationml/2006/main" xmlns:m="http://schemas.openxmlformats.org/officeDocument/2006/math" xmlns:a14="http://schemas.microsoft.com/office/drawing/2010/main" showMasterSp="1" showMasterPhAnim="1">
   <p:cSld>
     <p:spTree>
       <p:nvGrpSpPr>
@@ -3692,9 +3591,7 @@
       <p:sp>
         <p:nvSpPr>
           <p:cNvPr id="163" name="DenseNet121 Network"/>
-          <p:cNvSpPr txBox="1">
-            <a:spLocks noGrp="1"/>
-          </p:cNvSpPr>
+          <p:cNvSpPr txBox="1"/>
           <p:nvPr>
             <p:ph type="title"/>
           </p:nvPr>
@@ -3708,6 +3605,7 @@
           <a:bodyPr/>
           <a:lstStyle/>
           <a:p>
+            <a:pPr/>
             <a:r>
               <a:t>DenseNet121 Network</a:t>
             </a:r>
@@ -3748,119 +3646,12 @@
   <p:clrMapOvr>
     <a:masterClrMapping/>
   </p:clrMapOvr>
-  <p:transition spd="med"/>
-</p:sld>
-</file>
-
-<file path=ppt/slides/slide17.xml><?xml version="1.0" encoding="utf-8"?>
-<p:sld xmlns:a="http://schemas.openxmlformats.org/drawingml/2006/main" xmlns:r="http://schemas.openxmlformats.org/officeDocument/2006/relationships" xmlns:p="http://schemas.openxmlformats.org/presentationml/2006/main">
-  <p:cSld>
-    <p:spTree>
-      <p:nvGrpSpPr>
-        <p:cNvPr id="1" name=""/>
-        <p:cNvGrpSpPr/>
-        <p:nvPr/>
-      </p:nvGrpSpPr>
-      <p:grpSpPr>
-        <a:xfrm>
-          <a:off x="0" y="0"/>
-          <a:ext cx="0" cy="0"/>
-          <a:chOff x="0" y="0"/>
-          <a:chExt cx="0" cy="0"/>
-        </a:xfrm>
-      </p:grpSpPr>
-      <p:sp>
-        <p:nvSpPr>
-          <p:cNvPr id="2" name="Title 1">
-            <a:extLst>
-              <a:ext uri="{FF2B5EF4-FFF2-40B4-BE49-F238E27FC236}">
-                <a16:creationId xmlns:a16="http://schemas.microsoft.com/office/drawing/2014/main" id="{DE1A47A2-2E30-4C3B-9DA1-CB131AA19A39}"/>
-              </a:ext>
-            </a:extLst>
-          </p:cNvPr>
-          <p:cNvSpPr>
-            <a:spLocks noGrp="1"/>
-          </p:cNvSpPr>
-          <p:nvPr>
-            <p:ph type="title"/>
-          </p:nvPr>
-        </p:nvSpPr>
-        <p:spPr/>
-        <p:txBody>
-          <a:bodyPr/>
-          <a:lstStyle/>
-          <a:p>
-            <a:r>
-              <a:rPr lang="en-US" dirty="0"/>
-              <a:t>Conclusions</a:t>
-            </a:r>
-          </a:p>
-        </p:txBody>
-      </p:sp>
-      <p:sp>
-        <p:nvSpPr>
-          <p:cNvPr id="3" name="Text Placeholder 2">
-            <a:extLst>
-              <a:ext uri="{FF2B5EF4-FFF2-40B4-BE49-F238E27FC236}">
-                <a16:creationId xmlns:a16="http://schemas.microsoft.com/office/drawing/2014/main" id="{4DA1D726-C581-40CD-B3A4-1BCA631414AF}"/>
-              </a:ext>
-            </a:extLst>
-          </p:cNvPr>
-          <p:cNvSpPr>
-            <a:spLocks noGrp="1"/>
-          </p:cNvSpPr>
-          <p:nvPr>
-            <p:ph type="body" idx="1"/>
-          </p:nvPr>
-        </p:nvSpPr>
-        <p:spPr/>
-        <p:txBody>
-          <a:bodyPr/>
-          <a:lstStyle/>
-          <a:p>
-            <a:r>
-              <a:rPr lang="en-US" dirty="0"/>
-              <a:t>Shallow network and deeper </a:t>
-            </a:r>
-            <a:r>
-              <a:rPr lang="en-US" dirty="0" err="1"/>
-              <a:t>resnet</a:t>
-            </a:r>
-            <a:r>
-              <a:rPr lang="en-US" dirty="0"/>
-              <a:t> networks achieved a very good RMSE during testing when MSE used as loss function.</a:t>
-            </a:r>
-          </a:p>
-          <a:p>
-            <a:r>
-              <a:rPr lang="en-US" dirty="0"/>
-              <a:t>Model would need to be trained on a larger dataset</a:t>
-            </a:r>
-          </a:p>
-          <a:p>
-            <a:r>
-              <a:rPr lang="en-US" dirty="0"/>
-              <a:t>May need multiple transformations to achieve a low enough RMSE to be considered for clinical use</a:t>
-            </a:r>
-          </a:p>
-        </p:txBody>
-      </p:sp>
-    </p:spTree>
-    <p:extLst>
-      <p:ext uri="{BB962C8B-B14F-4D97-AF65-F5344CB8AC3E}">
-        <p14:creationId xmlns:p14="http://schemas.microsoft.com/office/powerpoint/2010/main" val="3668066816"/>
-      </p:ext>
-    </p:extLst>
-  </p:cSld>
-  <p:clrMapOvr>
-    <a:masterClrMapping/>
-  </p:clrMapOvr>
-  <p:transition spd="med"/>
+  <p:transition xmlns:p14="http://schemas.microsoft.com/office/powerpoint/2010/main" spd="med" advClick="1"/>
 </p:sld>
 </file>
 
 <file path=ppt/slides/slide2.xml><?xml version="1.0" encoding="utf-8"?>
-<p:sld xmlns:a="http://schemas.openxmlformats.org/drawingml/2006/main" xmlns:r="http://schemas.openxmlformats.org/officeDocument/2006/relationships" xmlns:p="http://schemas.openxmlformats.org/presentationml/2006/main">
+<p:sld xmlns:a="http://schemas.openxmlformats.org/drawingml/2006/main" xmlns:r="http://schemas.openxmlformats.org/officeDocument/2006/relationships" xmlns:p="http://schemas.openxmlformats.org/presentationml/2006/main" xmlns:m="http://schemas.openxmlformats.org/officeDocument/2006/math" xmlns:a14="http://schemas.microsoft.com/office/drawing/2010/main" showMasterSp="1" showMasterPhAnim="1">
   <p:cSld>
     <p:spTree>
       <p:nvGrpSpPr>
@@ -3879,9 +3670,7 @@
       <p:sp>
         <p:nvSpPr>
           <p:cNvPr id="122" name="Overview"/>
-          <p:cNvSpPr txBox="1">
-            <a:spLocks noGrp="1"/>
-          </p:cNvSpPr>
+          <p:cNvSpPr txBox="1"/>
           <p:nvPr>
             <p:ph type="title"/>
           </p:nvPr>
@@ -3895,6 +3684,7 @@
           <a:bodyPr/>
           <a:lstStyle/>
           <a:p>
+            <a:pPr/>
             <a:r>
               <a:t>Overview</a:t>
             </a:r>
@@ -3904,9 +3694,7 @@
       <p:sp>
         <p:nvSpPr>
           <p:cNvPr id="123" name="Background…"/>
-          <p:cNvSpPr txBox="1">
-            <a:spLocks noGrp="1"/>
-          </p:cNvSpPr>
+          <p:cNvSpPr txBox="1"/>
           <p:nvPr>
             <p:ph type="body" idx="1"/>
           </p:nvPr>
@@ -3920,26 +3708,31 @@
           <a:bodyPr/>
           <a:lstStyle/>
           <a:p>
+            <a:pPr/>
             <a:r>
               <a:t>Background</a:t>
             </a:r>
           </a:p>
           <a:p>
+            <a:pPr/>
             <a:r>
               <a:t>Goal of the Project </a:t>
             </a:r>
           </a:p>
           <a:p>
+            <a:pPr/>
             <a:r>
               <a:t>Datasets</a:t>
             </a:r>
           </a:p>
           <a:p>
+            <a:pPr/>
             <a:r>
               <a:t>Framework/Codes</a:t>
             </a:r>
           </a:p>
           <a:p>
+            <a:pPr/>
             <a:r>
               <a:t>Results</a:t>
             </a:r>
@@ -3951,12 +3744,12 @@
   <p:clrMapOvr>
     <a:masterClrMapping/>
   </p:clrMapOvr>
-  <p:transition spd="med"/>
+  <p:transition xmlns:p14="http://schemas.microsoft.com/office/powerpoint/2010/main" spd="med" advClick="1"/>
 </p:sld>
 </file>
 
 <file path=ppt/slides/slide3.xml><?xml version="1.0" encoding="utf-8"?>
-<p:sld xmlns:a="http://schemas.openxmlformats.org/drawingml/2006/main" xmlns:r="http://schemas.openxmlformats.org/officeDocument/2006/relationships" xmlns:p="http://schemas.openxmlformats.org/presentationml/2006/main">
+<p:sld xmlns:a="http://schemas.openxmlformats.org/drawingml/2006/main" xmlns:r="http://schemas.openxmlformats.org/officeDocument/2006/relationships" xmlns:p="http://schemas.openxmlformats.org/presentationml/2006/main" xmlns:m="http://schemas.openxmlformats.org/officeDocument/2006/math" xmlns:a14="http://schemas.microsoft.com/office/drawing/2010/main" showMasterSp="1" showMasterPhAnim="1">
   <p:cSld>
     <p:spTree>
       <p:nvGrpSpPr>
@@ -3975,9 +3768,7 @@
       <p:sp>
         <p:nvSpPr>
           <p:cNvPr id="125" name="Background"/>
-          <p:cNvSpPr txBox="1">
-            <a:spLocks noGrp="1"/>
-          </p:cNvSpPr>
+          <p:cNvSpPr txBox="1"/>
           <p:nvPr>
             <p:ph type="title"/>
           </p:nvPr>
@@ -3991,6 +3782,7 @@
           <a:bodyPr/>
           <a:lstStyle/>
           <a:p>
+            <a:pPr/>
             <a:r>
               <a:t>Background</a:t>
             </a:r>
@@ -4000,9 +3792,7 @@
       <p:sp>
         <p:nvSpPr>
           <p:cNvPr id="126" name="Breast cancer is the most common cancer and the second most cause of cancer-related death in women.…"/>
-          <p:cNvSpPr txBox="1">
-            <a:spLocks noGrp="1"/>
-          </p:cNvSpPr>
+          <p:cNvSpPr txBox="1"/>
           <p:nvPr>
             <p:ph type="body" idx="1"/>
           </p:nvPr>
@@ -4016,24 +3806,20 @@
           <a:bodyPr/>
           <a:lstStyle/>
           <a:p>
-            <a:r>
-              <a:rPr dirty="0"/>
+            <a:pPr/>
+            <a:r>
               <a:t>Breast cancer is the most common cancer and the second most cause of cancer-related death in women.  </a:t>
             </a:r>
           </a:p>
           <a:p>
-            <a:r>
-              <a:rPr lang="en-US" dirty="0"/>
-              <a:t>The treatment of breast cancer depends on the pathological grade of the cancer</a:t>
-            </a:r>
-            <a:r>
-              <a:rPr dirty="0"/>
-              <a:t>. </a:t>
-            </a:r>
-          </a:p>
-          <a:p>
-            <a:r>
-              <a:rPr dirty="0"/>
+            <a:pPr/>
+            <a:r>
+              <a:t>Mammograms can detect breast cancer early, nevertheless, breast biopsy is need to confirm diagnosis. </a:t>
+            </a:r>
+          </a:p>
+          <a:p>
+            <a:pPr/>
+            <a:r>
               <a:t>Quantitative cancer cellularity in pathological slides is important for treatment and prognosis. </a:t>
             </a:r>
           </a:p>
@@ -4044,12 +3830,12 @@
   <p:clrMapOvr>
     <a:masterClrMapping/>
   </p:clrMapOvr>
-  <p:transition spd="med"/>
+  <p:transition xmlns:p14="http://schemas.microsoft.com/office/powerpoint/2010/main" spd="med" advClick="1"/>
 </p:sld>
 </file>
 
 <file path=ppt/slides/slide4.xml><?xml version="1.0" encoding="utf-8"?>
-<p:sld xmlns:a="http://schemas.openxmlformats.org/drawingml/2006/main" xmlns:r="http://schemas.openxmlformats.org/officeDocument/2006/relationships" xmlns:p="http://schemas.openxmlformats.org/presentationml/2006/main">
+<p:sld xmlns:a="http://schemas.openxmlformats.org/drawingml/2006/main" xmlns:r="http://schemas.openxmlformats.org/officeDocument/2006/relationships" xmlns:p="http://schemas.openxmlformats.org/presentationml/2006/main" xmlns:m="http://schemas.openxmlformats.org/officeDocument/2006/math" xmlns:a14="http://schemas.microsoft.com/office/drawing/2010/main" showMasterSp="1" showMasterPhAnim="1">
   <p:cSld>
     <p:spTree>
       <p:nvGrpSpPr>
@@ -4068,9 +3854,7 @@
       <p:sp>
         <p:nvSpPr>
           <p:cNvPr id="128" name="Aim"/>
-          <p:cNvSpPr txBox="1">
-            <a:spLocks noGrp="1"/>
-          </p:cNvSpPr>
+          <p:cNvSpPr txBox="1"/>
           <p:nvPr>
             <p:ph type="title"/>
           </p:nvPr>
@@ -4084,6 +3868,7 @@
           <a:bodyPr/>
           <a:lstStyle/>
           <a:p>
+            <a:pPr/>
             <a:r>
               <a:t>Aim</a:t>
             </a:r>
@@ -4093,9 +3878,7 @@
       <p:sp>
         <p:nvSpPr>
           <p:cNvPr id="129" name="To develop convolutional neural network algorithms to determine cancer cellularity in breast cancer hematoxylin and eosin (H&amp;E) stained pathological slides.…"/>
-          <p:cNvSpPr txBox="1">
-            <a:spLocks noGrp="1"/>
-          </p:cNvSpPr>
+          <p:cNvSpPr txBox="1"/>
           <p:nvPr>
             <p:ph type="body" idx="1"/>
           </p:nvPr>
@@ -4109,11 +3892,13 @@
           <a:bodyPr/>
           <a:lstStyle/>
           <a:p>
+            <a:pPr/>
             <a:r>
               <a:t>To develop convolutional neural network algorithms to determine cancer cellularity in breast cancer hematoxylin and eosin (H&amp;E) stained pathological slides. </a:t>
             </a:r>
           </a:p>
           <a:p>
+            <a:pPr/>
             <a:r>
               <a:t>To compare the performance of different convolutional neural network architecture in determining cancer cellularity.  </a:t>
             </a:r>
@@ -4125,12 +3910,12 @@
   <p:clrMapOvr>
     <a:masterClrMapping/>
   </p:clrMapOvr>
-  <p:transition spd="med"/>
+  <p:transition xmlns:p14="http://schemas.microsoft.com/office/powerpoint/2010/main" spd="med" advClick="1"/>
 </p:sld>
 </file>
 
 <file path=ppt/slides/slide5.xml><?xml version="1.0" encoding="utf-8"?>
-<p:sld xmlns:a="http://schemas.openxmlformats.org/drawingml/2006/main" xmlns:r="http://schemas.openxmlformats.org/officeDocument/2006/relationships" xmlns:p="http://schemas.openxmlformats.org/presentationml/2006/main">
+<p:sld xmlns:a="http://schemas.openxmlformats.org/drawingml/2006/main" xmlns:r="http://schemas.openxmlformats.org/officeDocument/2006/relationships" xmlns:p="http://schemas.openxmlformats.org/presentationml/2006/main" xmlns:m="http://schemas.openxmlformats.org/officeDocument/2006/math" xmlns:a14="http://schemas.microsoft.com/office/drawing/2010/main" showMasterSp="1" showMasterPhAnim="1">
   <p:cSld>
     <p:spTree>
       <p:nvGrpSpPr>
@@ -4149,9 +3934,7 @@
       <p:sp>
         <p:nvSpPr>
           <p:cNvPr id="131" name="Dataset"/>
-          <p:cNvSpPr txBox="1">
-            <a:spLocks noGrp="1"/>
-          </p:cNvSpPr>
+          <p:cNvSpPr txBox="1"/>
           <p:nvPr>
             <p:ph type="title"/>
           </p:nvPr>
@@ -4165,6 +3948,7 @@
           <a:bodyPr/>
           <a:lstStyle/>
           <a:p>
+            <a:pPr/>
             <a:r>
               <a:t>Dataset</a:t>
             </a:r>
@@ -4174,9 +3958,7 @@
       <p:sp>
         <p:nvSpPr>
           <p:cNvPr id="132" name="The dataset of breast cancer pathology slides were from The SPIE (the international society for optics and photonics).…"/>
-          <p:cNvSpPr txBox="1">
-            <a:spLocks noGrp="1"/>
-          </p:cNvSpPr>
+          <p:cNvSpPr txBox="1"/>
           <p:nvPr>
             <p:ph type="body" idx="1"/>
           </p:nvPr>
@@ -4190,11 +3972,13 @@
           <a:bodyPr/>
           <a:lstStyle/>
           <a:p>
+            <a:pPr/>
             <a:r>
               <a:t>The dataset of breast cancer pathology slides were from The SPIE (the international society for optics and photonics). </a:t>
             </a:r>
           </a:p>
           <a:p>
+            <a:pPr/>
             <a:r>
               <a:t>The SPIE, along with the American Association of Physicists in Medicine (AAPM), and the National Cancer Institute (NCI) provide this dataset as part of a challenge.   </a:t>
             </a:r>
@@ -4206,12 +3990,12 @@
   <p:clrMapOvr>
     <a:masterClrMapping/>
   </p:clrMapOvr>
-  <p:transition spd="med"/>
+  <p:transition xmlns:p14="http://schemas.microsoft.com/office/powerpoint/2010/main" spd="med" advClick="1"/>
 </p:sld>
 </file>
 
 <file path=ppt/slides/slide6.xml><?xml version="1.0" encoding="utf-8"?>
-<p:sld xmlns:a="http://schemas.openxmlformats.org/drawingml/2006/main" xmlns:r="http://schemas.openxmlformats.org/officeDocument/2006/relationships" xmlns:p="http://schemas.openxmlformats.org/presentationml/2006/main">
+<p:sld xmlns:a="http://schemas.openxmlformats.org/drawingml/2006/main" xmlns:r="http://schemas.openxmlformats.org/officeDocument/2006/relationships" xmlns:p="http://schemas.openxmlformats.org/presentationml/2006/main" xmlns:m="http://schemas.openxmlformats.org/officeDocument/2006/math" xmlns:a14="http://schemas.microsoft.com/office/drawing/2010/main" showMasterSp="1" showMasterPhAnim="1">
   <p:cSld>
     <p:spTree>
       <p:nvGrpSpPr>
@@ -4230,9 +4014,7 @@
       <p:sp>
         <p:nvSpPr>
           <p:cNvPr id="134" name="Dataset"/>
-          <p:cNvSpPr txBox="1">
-            <a:spLocks noGrp="1"/>
-          </p:cNvSpPr>
+          <p:cNvSpPr txBox="1"/>
           <p:nvPr>
             <p:ph type="title"/>
           </p:nvPr>
@@ -4246,6 +4028,7 @@
           <a:bodyPr/>
           <a:lstStyle/>
           <a:p>
+            <a:pPr/>
             <a:r>
               <a:t>Dataset</a:t>
             </a:r>
@@ -4255,9 +4038,7 @@
       <p:sp>
         <p:nvSpPr>
           <p:cNvPr id="135" name="The data is a set of 2570 patches from 64 H&amp;E slides presented in 512*512 size, in a tif format.…"/>
-          <p:cNvSpPr txBox="1">
-            <a:spLocks noGrp="1"/>
-          </p:cNvSpPr>
+          <p:cNvSpPr txBox="1"/>
           <p:nvPr>
             <p:ph type="body" idx="1"/>
           </p:nvPr>
@@ -4271,16 +4052,19 @@
           <a:bodyPr/>
           <a:lstStyle/>
           <a:p>
+            <a:pPr/>
             <a:r>
               <a:t>The data is a set of 2570 patches from 64 H&amp;E slides presented in 512*512 size, in a tif format. </a:t>
             </a:r>
           </a:p>
           <a:p>
+            <a:pPr/>
             <a:r>
               <a:t>The patches are graded by expert pathologists in terms of their cellularity from 0 to 1.  </a:t>
             </a:r>
           </a:p>
           <a:p>
+            <a:pPr/>
             <a:r>
               <a:t>These represent the label for each image, which are presented in a separate csv file.</a:t>
             </a:r>
@@ -4292,12 +4076,12 @@
   <p:clrMapOvr>
     <a:masterClrMapping/>
   </p:clrMapOvr>
-  <p:transition spd="med"/>
+  <p:transition xmlns:p14="http://schemas.microsoft.com/office/powerpoint/2010/main" spd="med" advClick="1"/>
 </p:sld>
 </file>
 
 <file path=ppt/slides/slide7.xml><?xml version="1.0" encoding="utf-8"?>
-<p:sld xmlns:a="http://schemas.openxmlformats.org/drawingml/2006/main" xmlns:r="http://schemas.openxmlformats.org/officeDocument/2006/relationships" xmlns:p="http://schemas.openxmlformats.org/presentationml/2006/main">
+<p:sld xmlns:a="http://schemas.openxmlformats.org/drawingml/2006/main" xmlns:r="http://schemas.openxmlformats.org/officeDocument/2006/relationships" xmlns:p="http://schemas.openxmlformats.org/presentationml/2006/main" xmlns:m="http://schemas.openxmlformats.org/officeDocument/2006/math" xmlns:a14="http://schemas.microsoft.com/office/drawing/2010/main" showMasterSp="1" showMasterPhAnim="1">
   <p:cSld>
     <p:spTree>
       <p:nvGrpSpPr>
@@ -4347,99 +4131,12 @@
   <p:clrMapOvr>
     <a:masterClrMapping/>
   </p:clrMapOvr>
-  <p:transition spd="med"/>
+  <p:transition xmlns:p14="http://schemas.microsoft.com/office/powerpoint/2010/main" spd="med" advClick="1"/>
 </p:sld>
 </file>
 
 <file path=ppt/slides/slide8.xml><?xml version="1.0" encoding="utf-8"?>
-<p:sld xmlns:a="http://schemas.openxmlformats.org/drawingml/2006/main" xmlns:r="http://schemas.openxmlformats.org/officeDocument/2006/relationships" xmlns:p="http://schemas.openxmlformats.org/presentationml/2006/main">
-  <p:cSld>
-    <p:spTree>
-      <p:nvGrpSpPr>
-        <p:cNvPr id="1" name=""/>
-        <p:cNvGrpSpPr/>
-        <p:nvPr/>
-      </p:nvGrpSpPr>
-      <p:grpSpPr>
-        <a:xfrm>
-          <a:off x="0" y="0"/>
-          <a:ext cx="0" cy="0"/>
-          <a:chOff x="0" y="0"/>
-          <a:chExt cx="0" cy="0"/>
-        </a:xfrm>
-      </p:grpSpPr>
-      <p:sp>
-        <p:nvSpPr>
-          <p:cNvPr id="148" name="Results"/>
-          <p:cNvSpPr txBox="1">
-            <a:spLocks noGrp="1"/>
-          </p:cNvSpPr>
-          <p:nvPr>
-            <p:ph type="title"/>
-          </p:nvPr>
-        </p:nvSpPr>
-        <p:spPr>
-          <a:prstGeom prst="rect">
-            <a:avLst/>
-          </a:prstGeom>
-        </p:spPr>
-        <p:txBody>
-          <a:bodyPr/>
-          <a:lstStyle/>
-          <a:p>
-            <a:r>
-              <a:rPr lang="en-US" dirty="0"/>
-              <a:t>Labels</a:t>
-            </a:r>
-            <a:endParaRPr dirty="0"/>
-          </a:p>
-        </p:txBody>
-      </p:sp>
-      <p:pic>
-        <p:nvPicPr>
-          <p:cNvPr id="149" name="figure_1-1.png" descr="figure_1-1.png"/>
-          <p:cNvPicPr>
-            <a:picLocks noChangeAspect="1"/>
-          </p:cNvPicPr>
-          <p:nvPr/>
-        </p:nvPicPr>
-        <p:blipFill>
-          <a:blip r:embed="rId2">
-            <a:extLst/>
-          </a:blip>
-          <a:stretch>
-            <a:fillRect/>
-          </a:stretch>
-        </p:blipFill>
-        <p:spPr>
-          <a:xfrm>
-            <a:off x="1422400" y="1930400"/>
-            <a:ext cx="10160000" cy="7620000"/>
-          </a:xfrm>
-          <a:prstGeom prst="rect">
-            <a:avLst/>
-          </a:prstGeom>
-          <a:ln w="12700">
-            <a:miter lim="400000"/>
-          </a:ln>
-        </p:spPr>
-      </p:pic>
-    </p:spTree>
-    <p:extLst>
-      <p:ext uri="{BB962C8B-B14F-4D97-AF65-F5344CB8AC3E}">
-        <p14:creationId xmlns:p14="http://schemas.microsoft.com/office/powerpoint/2010/main" val="550187209"/>
-      </p:ext>
-    </p:extLst>
-  </p:cSld>
-  <p:clrMapOvr>
-    <a:masterClrMapping/>
-  </p:clrMapOvr>
-  <p:transition spd="med"/>
-</p:sld>
-</file>
-
-<file path=ppt/slides/slide9.xml><?xml version="1.0" encoding="utf-8"?>
-<p:sld xmlns:a="http://schemas.openxmlformats.org/drawingml/2006/main" xmlns:r="http://schemas.openxmlformats.org/officeDocument/2006/relationships" xmlns:p="http://schemas.openxmlformats.org/presentationml/2006/main">
+<p:sld xmlns:a="http://schemas.openxmlformats.org/drawingml/2006/main" xmlns:r="http://schemas.openxmlformats.org/officeDocument/2006/relationships" xmlns:p="http://schemas.openxmlformats.org/presentationml/2006/main" xmlns:m="http://schemas.openxmlformats.org/officeDocument/2006/math" xmlns:a14="http://schemas.microsoft.com/office/drawing/2010/main" showMasterSp="1" showMasterPhAnim="1">
   <p:cSld>
     <p:spTree>
       <p:nvGrpSpPr>
@@ -4458,9 +4155,7 @@
       <p:sp>
         <p:nvSpPr>
           <p:cNvPr id="139" name="Framework/Codes"/>
-          <p:cNvSpPr txBox="1">
-            <a:spLocks noGrp="1"/>
-          </p:cNvSpPr>
+          <p:cNvSpPr txBox="1"/>
           <p:nvPr>
             <p:ph type="title"/>
           </p:nvPr>
@@ -4474,6 +4169,7 @@
           <a:bodyPr/>
           <a:lstStyle/>
           <a:p>
+            <a:pPr/>
             <a:r>
               <a:t>Framework/Codes</a:t>
             </a:r>
@@ -4483,9 +4179,7 @@
       <p:sp>
         <p:nvSpPr>
           <p:cNvPr id="140" name="PyTorch was used as the framework to implement a deep convolutional neural network to conduct a regression analysis to train and then predict the cellularity of the data.…"/>
-          <p:cNvSpPr txBox="1">
-            <a:spLocks noGrp="1"/>
-          </p:cNvSpPr>
+          <p:cNvSpPr txBox="1"/>
           <p:nvPr>
             <p:ph type="body" idx="1"/>
           </p:nvPr>
@@ -4499,11 +4193,13 @@
           <a:bodyPr/>
           <a:lstStyle/>
           <a:p>
+            <a:pPr/>
             <a:r>
               <a:t>PyTorch was used as the framework to implement a deep convolutional neural network to conduct a regression analysis to train and then predict the cellularity of the data. </a:t>
             </a:r>
           </a:p>
           <a:p>
+            <a:pPr/>
             <a:r>
               <a:t>The initial network was a shallow network with two convolution networks as well as two pooling networks, two ReLUs and a final Linear layer as the output layer.</a:t>
             </a:r>
@@ -4515,12 +4211,92 @@
   <p:clrMapOvr>
     <a:masterClrMapping/>
   </p:clrMapOvr>
-  <p:transition spd="med"/>
+  <p:transition xmlns:p14="http://schemas.microsoft.com/office/powerpoint/2010/main" spd="med" advClick="1"/>
+</p:sld>
+</file>
+
+<file path=ppt/slides/slide9.xml><?xml version="1.0" encoding="utf-8"?>
+<p:sld xmlns:a="http://schemas.openxmlformats.org/drawingml/2006/main" xmlns:r="http://schemas.openxmlformats.org/officeDocument/2006/relationships" xmlns:p="http://schemas.openxmlformats.org/presentationml/2006/main" xmlns:m="http://schemas.openxmlformats.org/officeDocument/2006/math" xmlns:a14="http://schemas.microsoft.com/office/drawing/2010/main" showMasterSp="1" showMasterPhAnim="1">
+  <p:cSld>
+    <p:spTree>
+      <p:nvGrpSpPr>
+        <p:cNvPr id="1" name=""/>
+        <p:cNvGrpSpPr/>
+        <p:nvPr/>
+      </p:nvGrpSpPr>
+      <p:grpSpPr>
+        <a:xfrm>
+          <a:off x="0" y="0"/>
+          <a:ext cx="0" cy="0"/>
+          <a:chOff x="0" y="0"/>
+          <a:chExt cx="0" cy="0"/>
+        </a:xfrm>
+      </p:grpSpPr>
+      <p:sp>
+        <p:nvSpPr>
+          <p:cNvPr id="142" name="Framework/Codes"/>
+          <p:cNvSpPr txBox="1"/>
+          <p:nvPr>
+            <p:ph type="title"/>
+          </p:nvPr>
+        </p:nvSpPr>
+        <p:spPr>
+          <a:prstGeom prst="rect">
+            <a:avLst/>
+          </a:prstGeom>
+        </p:spPr>
+        <p:txBody>
+          <a:bodyPr/>
+          <a:lstStyle/>
+          <a:p>
+            <a:pPr/>
+            <a:r>
+              <a:t>Framework/Codes</a:t>
+            </a:r>
+          </a:p>
+        </p:txBody>
+      </p:sp>
+      <p:sp>
+        <p:nvSpPr>
+          <p:cNvPr id="143" name="PyTorch was used as the framework to implement a deep convolutional neural network to conduct a regression analysis to train and then predict the cellularity of the data.…"/>
+          <p:cNvSpPr txBox="1"/>
+          <p:nvPr>
+            <p:ph type="body" idx="1"/>
+          </p:nvPr>
+        </p:nvSpPr>
+        <p:spPr>
+          <a:prstGeom prst="rect">
+            <a:avLst/>
+          </a:prstGeom>
+        </p:spPr>
+        <p:txBody>
+          <a:bodyPr/>
+          <a:lstStyle/>
+          <a:p>
+            <a:pPr/>
+            <a:r>
+              <a:t>PyTorch was used as the framework to implement a deep convolutional neural network to conduct a regression analysis to train and then predict the cellularity of the data. </a:t>
+            </a:r>
+          </a:p>
+          <a:p>
+            <a:pPr/>
+            <a:r>
+              <a:t>The initial network was a shallow network with two convolution networks as well as two pooling networks, two ReLUs and a final Linear layer as the output layer.</a:t>
+            </a:r>
+          </a:p>
+        </p:txBody>
+      </p:sp>
+    </p:spTree>
+  </p:cSld>
+  <p:clrMapOvr>
+    <a:masterClrMapping/>
+  </p:clrMapOvr>
+  <p:transition xmlns:p14="http://schemas.microsoft.com/office/powerpoint/2010/main" spd="med" advClick="1"/>
 </p:sld>
 </file>
 
 <file path=ppt/theme/theme1.xml><?xml version="1.0" encoding="utf-8"?>
-<a:theme xmlns:a="http://schemas.openxmlformats.org/drawingml/2006/main" name="White">
+<a:theme xmlns:a="http://schemas.openxmlformats.org/drawingml/2006/main" xmlns:r="http://schemas.openxmlformats.org/officeDocument/2006/relationships" name="White">
   <a:themeElements>
     <a:clrScheme name="White">
       <a:dk1>
@@ -4719,7 +4495,7 @@
         <a:effectLst/>
         <a:sp3d/>
       </a:spPr>
-      <a:bodyPr rot="0" spcFirstLastPara="1" vertOverflow="overflow" horzOverflow="overflow" vert="horz" wrap="square" lIns="50800" tIns="50800" rIns="50800" bIns="50800" numCol="1" spcCol="38100" rtlCol="0" anchor="ctr">
+      <a:bodyPr rot="0" spcFirstLastPara="1" vertOverflow="overflow" horzOverflow="overflow" vert="horz" wrap="square" lIns="50800" tIns="50800" rIns="50800" bIns="50800" numCol="1" spcCol="38100" rtlCol="0" anchor="ctr" upright="0">
         <a:spAutoFit/>
       </a:bodyPr>
       <a:lstStyle>
@@ -4738,7 +4514,7 @@
           <a:buFontTx/>
           <a:buNone/>
           <a:tabLst/>
-          <a:defRPr kumimoji="0" sz="2200" b="0" i="0" u="none" strike="noStrike" cap="none" spc="0" normalizeH="0" baseline="0">
+          <a:defRPr b="0" baseline="0" cap="none" i="0" spc="0" strike="noStrike" sz="2200" u="none" kumimoji="0" normalizeH="0">
             <a:ln>
               <a:noFill/>
             </a:ln>
@@ -4768,7 +4544,7 @@
           <a:buFontTx/>
           <a:buNone/>
           <a:tabLst/>
-          <a:defRPr kumimoji="0" sz="1800" b="0" i="0" u="none" strike="noStrike" cap="none" spc="0" normalizeH="0" baseline="0">
+          <a:defRPr b="0" baseline="0" cap="none" i="0" spc="0" strike="noStrike" sz="1800" u="none" kumimoji="0" normalizeH="0">
             <a:ln>
               <a:noFill/>
             </a:ln>
@@ -4794,7 +4570,7 @@
           <a:buFontTx/>
           <a:buNone/>
           <a:tabLst/>
-          <a:defRPr kumimoji="0" sz="1800" b="0" i="0" u="none" strike="noStrike" cap="none" spc="0" normalizeH="0" baseline="0">
+          <a:defRPr b="0" baseline="0" cap="none" i="0" spc="0" strike="noStrike" sz="1800" u="none" kumimoji="0" normalizeH="0">
             <a:ln>
               <a:noFill/>
             </a:ln>
@@ -4820,7 +4596,7 @@
           <a:buFontTx/>
           <a:buNone/>
           <a:tabLst/>
-          <a:defRPr kumimoji="0" sz="1800" b="0" i="0" u="none" strike="noStrike" cap="none" spc="0" normalizeH="0" baseline="0">
+          <a:defRPr b="0" baseline="0" cap="none" i="0" spc="0" strike="noStrike" sz="1800" u="none" kumimoji="0" normalizeH="0">
             <a:ln>
               <a:noFill/>
             </a:ln>
@@ -4846,7 +4622,7 @@
           <a:buFontTx/>
           <a:buNone/>
           <a:tabLst/>
-          <a:defRPr kumimoji="0" sz="1800" b="0" i="0" u="none" strike="noStrike" cap="none" spc="0" normalizeH="0" baseline="0">
+          <a:defRPr b="0" baseline="0" cap="none" i="0" spc="0" strike="noStrike" sz="1800" u="none" kumimoji="0" normalizeH="0">
             <a:ln>
               <a:noFill/>
             </a:ln>
@@ -4872,7 +4648,7 @@
           <a:buFontTx/>
           <a:buNone/>
           <a:tabLst/>
-          <a:defRPr kumimoji="0" sz="1800" b="0" i="0" u="none" strike="noStrike" cap="none" spc="0" normalizeH="0" baseline="0">
+          <a:defRPr b="0" baseline="0" cap="none" i="0" spc="0" strike="noStrike" sz="1800" u="none" kumimoji="0" normalizeH="0">
             <a:ln>
               <a:noFill/>
             </a:ln>
@@ -4898,7 +4674,7 @@
           <a:buFontTx/>
           <a:buNone/>
           <a:tabLst/>
-          <a:defRPr kumimoji="0" sz="1800" b="0" i="0" u="none" strike="noStrike" cap="none" spc="0" normalizeH="0" baseline="0">
+          <a:defRPr b="0" baseline="0" cap="none" i="0" spc="0" strike="noStrike" sz="1800" u="none" kumimoji="0" normalizeH="0">
             <a:ln>
               <a:noFill/>
             </a:ln>
@@ -4924,7 +4700,7 @@
           <a:buFontTx/>
           <a:buNone/>
           <a:tabLst/>
-          <a:defRPr kumimoji="0" sz="1800" b="0" i="0" u="none" strike="noStrike" cap="none" spc="0" normalizeH="0" baseline="0">
+          <a:defRPr b="0" baseline="0" cap="none" i="0" spc="0" strike="noStrike" sz="1800" u="none" kumimoji="0" normalizeH="0">
             <a:ln>
               <a:noFill/>
             </a:ln>
@@ -4950,7 +4726,7 @@
           <a:buFontTx/>
           <a:buNone/>
           <a:tabLst/>
-          <a:defRPr kumimoji="0" sz="1800" b="0" i="0" u="none" strike="noStrike" cap="none" spc="0" normalizeH="0" baseline="0">
+          <a:defRPr b="0" baseline="0" cap="none" i="0" spc="0" strike="noStrike" sz="1800" u="none" kumimoji="0" normalizeH="0">
             <a:ln>
               <a:noFill/>
             </a:ln>
@@ -4976,7 +4752,7 @@
           <a:buFontTx/>
           <a:buNone/>
           <a:tabLst/>
-          <a:defRPr kumimoji="0" sz="1800" b="0" i="0" u="none" strike="noStrike" cap="none" spc="0" normalizeH="0" baseline="0">
+          <a:defRPr b="0" baseline="0" cap="none" i="0" spc="0" strike="noStrike" sz="1800" u="none" kumimoji="0" normalizeH="0">
             <a:ln>
               <a:noFill/>
             </a:ln>
@@ -4989,15 +4765,9 @@
         </a:lvl9pPr>
       </a:lstStyle>
       <a:style>
-        <a:lnRef idx="0">
-          <a:scrgbClr r="0" g="0" b="0"/>
-        </a:lnRef>
-        <a:fillRef idx="0">
-          <a:scrgbClr r="0" g="0" b="0"/>
-        </a:fillRef>
-        <a:effectRef idx="0">
-          <a:scrgbClr r="0" g="0" b="0"/>
-        </a:effectRef>
+        <a:lnRef idx="0"/>
+        <a:fillRef idx="0"/>
+        <a:effectRef idx="0"/>
         <a:fontRef idx="none"/>
       </a:style>
     </a:spDef>
@@ -5014,7 +4784,7 @@
         <a:effectLst/>
         <a:sp3d/>
       </a:spPr>
-      <a:bodyPr rot="0" spcFirstLastPara="1" vertOverflow="overflow" horzOverflow="overflow" vert="horz" wrap="square" lIns="91439" tIns="45719" rIns="91439" bIns="45719" numCol="1" spcCol="38100" rtlCol="0" anchor="t">
+      <a:bodyPr rot="0" spcFirstLastPara="1" vertOverflow="overflow" horzOverflow="overflow" vert="horz" wrap="square" lIns="91439" tIns="45719" rIns="91439" bIns="45719" numCol="1" spcCol="38100" rtlCol="0" anchor="t" upright="0">
         <a:noAutofit/>
       </a:bodyPr>
       <a:lstStyle>
@@ -5033,7 +4803,7 @@
           <a:buFontTx/>
           <a:buNone/>
           <a:tabLst/>
-          <a:defRPr kumimoji="0" sz="1800" b="0" i="0" u="none" strike="noStrike" cap="none" spc="0" normalizeH="0" baseline="0">
+          <a:defRPr b="0" baseline="0" cap="none" i="0" spc="0" strike="noStrike" sz="1800" u="none" kumimoji="0" normalizeH="0">
             <a:ln>
               <a:noFill/>
             </a:ln>
@@ -5059,7 +4829,7 @@
           <a:buFontTx/>
           <a:buNone/>
           <a:tabLst/>
-          <a:defRPr kumimoji="0" sz="1800" b="0" i="0" u="none" strike="noStrike" cap="none" spc="0" normalizeH="0" baseline="0">
+          <a:defRPr b="0" baseline="0" cap="none" i="0" spc="0" strike="noStrike" sz="1800" u="none" kumimoji="0" normalizeH="0">
             <a:ln>
               <a:noFill/>
             </a:ln>
@@ -5085,7 +4855,7 @@
           <a:buFontTx/>
           <a:buNone/>
           <a:tabLst/>
-          <a:defRPr kumimoji="0" sz="1800" b="0" i="0" u="none" strike="noStrike" cap="none" spc="0" normalizeH="0" baseline="0">
+          <a:defRPr b="0" baseline="0" cap="none" i="0" spc="0" strike="noStrike" sz="1800" u="none" kumimoji="0" normalizeH="0">
             <a:ln>
               <a:noFill/>
             </a:ln>
@@ -5111,7 +4881,7 @@
           <a:buFontTx/>
           <a:buNone/>
           <a:tabLst/>
-          <a:defRPr kumimoji="0" sz="1800" b="0" i="0" u="none" strike="noStrike" cap="none" spc="0" normalizeH="0" baseline="0">
+          <a:defRPr b="0" baseline="0" cap="none" i="0" spc="0" strike="noStrike" sz="1800" u="none" kumimoji="0" normalizeH="0">
             <a:ln>
               <a:noFill/>
             </a:ln>
@@ -5137,7 +4907,7 @@
           <a:buFontTx/>
           <a:buNone/>
           <a:tabLst/>
-          <a:defRPr kumimoji="0" sz="1800" b="0" i="0" u="none" strike="noStrike" cap="none" spc="0" normalizeH="0" baseline="0">
+          <a:defRPr b="0" baseline="0" cap="none" i="0" spc="0" strike="noStrike" sz="1800" u="none" kumimoji="0" normalizeH="0">
             <a:ln>
               <a:noFill/>
             </a:ln>
@@ -5163,7 +4933,7 @@
           <a:buFontTx/>
           <a:buNone/>
           <a:tabLst/>
-          <a:defRPr kumimoji="0" sz="1800" b="0" i="0" u="none" strike="noStrike" cap="none" spc="0" normalizeH="0" baseline="0">
+          <a:defRPr b="0" baseline="0" cap="none" i="0" spc="0" strike="noStrike" sz="1800" u="none" kumimoji="0" normalizeH="0">
             <a:ln>
               <a:noFill/>
             </a:ln>
@@ -5189,7 +4959,7 @@
           <a:buFontTx/>
           <a:buNone/>
           <a:tabLst/>
-          <a:defRPr kumimoji="0" sz="1800" b="0" i="0" u="none" strike="noStrike" cap="none" spc="0" normalizeH="0" baseline="0">
+          <a:defRPr b="0" baseline="0" cap="none" i="0" spc="0" strike="noStrike" sz="1800" u="none" kumimoji="0" normalizeH="0">
             <a:ln>
               <a:noFill/>
             </a:ln>
@@ -5215,7 +4985,7 @@
           <a:buFontTx/>
           <a:buNone/>
           <a:tabLst/>
-          <a:defRPr kumimoji="0" sz="1800" b="0" i="0" u="none" strike="noStrike" cap="none" spc="0" normalizeH="0" baseline="0">
+          <a:defRPr b="0" baseline="0" cap="none" i="0" spc="0" strike="noStrike" sz="1800" u="none" kumimoji="0" normalizeH="0">
             <a:ln>
               <a:noFill/>
             </a:ln>
@@ -5241,7 +5011,7 @@
           <a:buFontTx/>
           <a:buNone/>
           <a:tabLst/>
-          <a:defRPr kumimoji="0" sz="1800" b="0" i="0" u="none" strike="noStrike" cap="none" spc="0" normalizeH="0" baseline="0">
+          <a:defRPr b="0" baseline="0" cap="none" i="0" spc="0" strike="noStrike" sz="1800" u="none" kumimoji="0" normalizeH="0">
             <a:ln>
               <a:noFill/>
             </a:ln>
@@ -5267,7 +5037,7 @@
           <a:buFontTx/>
           <a:buNone/>
           <a:tabLst/>
-          <a:defRPr kumimoji="0" sz="1800" b="0" i="0" u="none" strike="noStrike" cap="none" spc="0" normalizeH="0" baseline="0">
+          <a:defRPr b="0" baseline="0" cap="none" i="0" spc="0" strike="noStrike" sz="1800" u="none" kumimoji="0" normalizeH="0">
             <a:ln>
               <a:noFill/>
             </a:ln>
@@ -5280,15 +5050,9 @@
         </a:lvl9pPr>
       </a:lstStyle>
       <a:style>
-        <a:lnRef idx="0">
-          <a:scrgbClr r="0" g="0" b="0"/>
-        </a:lnRef>
-        <a:fillRef idx="0">
-          <a:scrgbClr r="0" g="0" b="0"/>
-        </a:fillRef>
-        <a:effectRef idx="0">
-          <a:scrgbClr r="0" g="0" b="0"/>
-        </a:effectRef>
+        <a:lnRef idx="0"/>
+        <a:fillRef idx="0"/>
+        <a:effectRef idx="0"/>
         <a:fontRef idx="none"/>
       </a:style>
     </a:lnDef>
@@ -5302,7 +5066,7 @@
         <a:effectLst/>
         <a:sp3d/>
       </a:spPr>
-      <a:bodyPr rot="0" spcFirstLastPara="1" vertOverflow="overflow" horzOverflow="overflow" vert="horz" wrap="square" lIns="50800" tIns="50800" rIns="50800" bIns="50800" numCol="1" spcCol="38100" rtlCol="0" anchor="ctr">
+      <a:bodyPr rot="0" spcFirstLastPara="1" vertOverflow="overflow" horzOverflow="overflow" vert="horz" wrap="square" lIns="50800" tIns="50800" rIns="50800" bIns="50800" numCol="1" spcCol="38100" rtlCol="0" anchor="ctr" upright="0">
         <a:spAutoFit/>
       </a:bodyPr>
       <a:lstStyle>
@@ -5321,7 +5085,7 @@
           <a:buFontTx/>
           <a:buNone/>
           <a:tabLst/>
-          <a:defRPr kumimoji="0" sz="2400" b="1" i="0" u="none" strike="noStrike" cap="none" spc="0" normalizeH="0" baseline="0">
+          <a:defRPr b="1" baseline="0" cap="none" i="0" spc="0" strike="noStrike" sz="2400" u="none" kumimoji="0" normalizeH="0">
             <a:ln>
               <a:noFill/>
             </a:ln>
@@ -5351,7 +5115,7 @@
           <a:buFontTx/>
           <a:buNone/>
           <a:tabLst/>
-          <a:defRPr kumimoji="0" sz="1800" b="0" i="0" u="none" strike="noStrike" cap="none" spc="0" normalizeH="0" baseline="0">
+          <a:defRPr b="0" baseline="0" cap="none" i="0" spc="0" strike="noStrike" sz="1800" u="none" kumimoji="0" normalizeH="0">
             <a:ln>
               <a:noFill/>
             </a:ln>
@@ -5377,7 +5141,7 @@
           <a:buFontTx/>
           <a:buNone/>
           <a:tabLst/>
-          <a:defRPr kumimoji="0" sz="1800" b="0" i="0" u="none" strike="noStrike" cap="none" spc="0" normalizeH="0" baseline="0">
+          <a:defRPr b="0" baseline="0" cap="none" i="0" spc="0" strike="noStrike" sz="1800" u="none" kumimoji="0" normalizeH="0">
             <a:ln>
               <a:noFill/>
             </a:ln>
@@ -5403,7 +5167,7 @@
           <a:buFontTx/>
           <a:buNone/>
           <a:tabLst/>
-          <a:defRPr kumimoji="0" sz="1800" b="0" i="0" u="none" strike="noStrike" cap="none" spc="0" normalizeH="0" baseline="0">
+          <a:defRPr b="0" baseline="0" cap="none" i="0" spc="0" strike="noStrike" sz="1800" u="none" kumimoji="0" normalizeH="0">
             <a:ln>
               <a:noFill/>
             </a:ln>
@@ -5429,7 +5193,7 @@
           <a:buFontTx/>
           <a:buNone/>
           <a:tabLst/>
-          <a:defRPr kumimoji="0" sz="1800" b="0" i="0" u="none" strike="noStrike" cap="none" spc="0" normalizeH="0" baseline="0">
+          <a:defRPr b="0" baseline="0" cap="none" i="0" spc="0" strike="noStrike" sz="1800" u="none" kumimoji="0" normalizeH="0">
             <a:ln>
               <a:noFill/>
             </a:ln>
@@ -5455,7 +5219,7 @@
           <a:buFontTx/>
           <a:buNone/>
           <a:tabLst/>
-          <a:defRPr kumimoji="0" sz="1800" b="0" i="0" u="none" strike="noStrike" cap="none" spc="0" normalizeH="0" baseline="0">
+          <a:defRPr b="0" baseline="0" cap="none" i="0" spc="0" strike="noStrike" sz="1800" u="none" kumimoji="0" normalizeH="0">
             <a:ln>
               <a:noFill/>
             </a:ln>
@@ -5481,7 +5245,7 @@
           <a:buFontTx/>
           <a:buNone/>
           <a:tabLst/>
-          <a:defRPr kumimoji="0" sz="1800" b="0" i="0" u="none" strike="noStrike" cap="none" spc="0" normalizeH="0" baseline="0">
+          <a:defRPr b="0" baseline="0" cap="none" i="0" spc="0" strike="noStrike" sz="1800" u="none" kumimoji="0" normalizeH="0">
             <a:ln>
               <a:noFill/>
             </a:ln>
@@ -5507,7 +5271,7 @@
           <a:buFontTx/>
           <a:buNone/>
           <a:tabLst/>
-          <a:defRPr kumimoji="0" sz="1800" b="0" i="0" u="none" strike="noStrike" cap="none" spc="0" normalizeH="0" baseline="0">
+          <a:defRPr b="0" baseline="0" cap="none" i="0" spc="0" strike="noStrike" sz="1800" u="none" kumimoji="0" normalizeH="0">
             <a:ln>
               <a:noFill/>
             </a:ln>
@@ -5533,7 +5297,7 @@
           <a:buFontTx/>
           <a:buNone/>
           <a:tabLst/>
-          <a:defRPr kumimoji="0" sz="1800" b="0" i="0" u="none" strike="noStrike" cap="none" spc="0" normalizeH="0" baseline="0">
+          <a:defRPr b="0" baseline="0" cap="none" i="0" spc="0" strike="noStrike" sz="1800" u="none" kumimoji="0" normalizeH="0">
             <a:ln>
               <a:noFill/>
             </a:ln>
@@ -5559,7 +5323,7 @@
           <a:buFontTx/>
           <a:buNone/>
           <a:tabLst/>
-          <a:defRPr kumimoji="0" sz="1800" b="0" i="0" u="none" strike="noStrike" cap="none" spc="0" normalizeH="0" baseline="0">
+          <a:defRPr b="0" baseline="0" cap="none" i="0" spc="0" strike="noStrike" sz="1800" u="none" kumimoji="0" normalizeH="0">
             <a:ln>
               <a:noFill/>
             </a:ln>
@@ -5572,25 +5336,18 @@
         </a:lvl9pPr>
       </a:lstStyle>
       <a:style>
-        <a:lnRef idx="0">
-          <a:scrgbClr r="0" g="0" b="0"/>
-        </a:lnRef>
-        <a:fillRef idx="0">
-          <a:scrgbClr r="0" g="0" b="0"/>
-        </a:fillRef>
-        <a:effectRef idx="0">
-          <a:scrgbClr r="0" g="0" b="0"/>
-        </a:effectRef>
+        <a:lnRef idx="0"/>
+        <a:fillRef idx="0"/>
+        <a:effectRef idx="0"/>
         <a:fontRef idx="none"/>
       </a:style>
     </a:txDef>
   </a:objectDefaults>
-  <a:extraClrSchemeLst/>
 </a:theme>
 </file>
 
 <file path=ppt/theme/theme2.xml><?xml version="1.0" encoding="utf-8"?>
-<a:theme xmlns:a="http://schemas.openxmlformats.org/drawingml/2006/main" name="White">
+<a:theme xmlns:a="http://schemas.openxmlformats.org/drawingml/2006/main" xmlns:r="http://schemas.openxmlformats.org/officeDocument/2006/relationships" name="White">
   <a:themeElements>
     <a:clrScheme name="White">
       <a:dk1>
@@ -5789,7 +5546,7 @@
         <a:effectLst/>
         <a:sp3d/>
       </a:spPr>
-      <a:bodyPr rot="0" spcFirstLastPara="1" vertOverflow="overflow" horzOverflow="overflow" vert="horz" wrap="square" lIns="50800" tIns="50800" rIns="50800" bIns="50800" numCol="1" spcCol="38100" rtlCol="0" anchor="ctr">
+      <a:bodyPr rot="0" spcFirstLastPara="1" vertOverflow="overflow" horzOverflow="overflow" vert="horz" wrap="square" lIns="50800" tIns="50800" rIns="50800" bIns="50800" numCol="1" spcCol="38100" rtlCol="0" anchor="ctr" upright="0">
         <a:spAutoFit/>
       </a:bodyPr>
       <a:lstStyle>
@@ -5808,7 +5565,7 @@
           <a:buFontTx/>
           <a:buNone/>
           <a:tabLst/>
-          <a:defRPr kumimoji="0" sz="2200" b="0" i="0" u="none" strike="noStrike" cap="none" spc="0" normalizeH="0" baseline="0">
+          <a:defRPr b="0" baseline="0" cap="none" i="0" spc="0" strike="noStrike" sz="2200" u="none" kumimoji="0" normalizeH="0">
             <a:ln>
               <a:noFill/>
             </a:ln>
@@ -5838,7 +5595,7 @@
           <a:buFontTx/>
           <a:buNone/>
           <a:tabLst/>
-          <a:defRPr kumimoji="0" sz="1800" b="0" i="0" u="none" strike="noStrike" cap="none" spc="0" normalizeH="0" baseline="0">
+          <a:defRPr b="0" baseline="0" cap="none" i="0" spc="0" strike="noStrike" sz="1800" u="none" kumimoji="0" normalizeH="0">
             <a:ln>
               <a:noFill/>
             </a:ln>
@@ -5864,7 +5621,7 @@
           <a:buFontTx/>
           <a:buNone/>
           <a:tabLst/>
-          <a:defRPr kumimoji="0" sz="1800" b="0" i="0" u="none" strike="noStrike" cap="none" spc="0" normalizeH="0" baseline="0">
+          <a:defRPr b="0" baseline="0" cap="none" i="0" spc="0" strike="noStrike" sz="1800" u="none" kumimoji="0" normalizeH="0">
             <a:ln>
               <a:noFill/>
             </a:ln>
@@ -5890,7 +5647,7 @@
           <a:buFontTx/>
           <a:buNone/>
           <a:tabLst/>
-          <a:defRPr kumimoji="0" sz="1800" b="0" i="0" u="none" strike="noStrike" cap="none" spc="0" normalizeH="0" baseline="0">
+          <a:defRPr b="0" baseline="0" cap="none" i="0" spc="0" strike="noStrike" sz="1800" u="none" kumimoji="0" normalizeH="0">
             <a:ln>
               <a:noFill/>
             </a:ln>
@@ -5916,7 +5673,7 @@
           <a:buFontTx/>
           <a:buNone/>
           <a:tabLst/>
-          <a:defRPr kumimoji="0" sz="1800" b="0" i="0" u="none" strike="noStrike" cap="none" spc="0" normalizeH="0" baseline="0">
+          <a:defRPr b="0" baseline="0" cap="none" i="0" spc="0" strike="noStrike" sz="1800" u="none" kumimoji="0" normalizeH="0">
             <a:ln>
               <a:noFill/>
             </a:ln>
@@ -5942,7 +5699,7 @@
           <a:buFontTx/>
           <a:buNone/>
           <a:tabLst/>
-          <a:defRPr kumimoji="0" sz="1800" b="0" i="0" u="none" strike="noStrike" cap="none" spc="0" normalizeH="0" baseline="0">
+          <a:defRPr b="0" baseline="0" cap="none" i="0" spc="0" strike="noStrike" sz="1800" u="none" kumimoji="0" normalizeH="0">
             <a:ln>
               <a:noFill/>
             </a:ln>
@@ -5968,7 +5725,7 @@
           <a:buFontTx/>
           <a:buNone/>
           <a:tabLst/>
-          <a:defRPr kumimoji="0" sz="1800" b="0" i="0" u="none" strike="noStrike" cap="none" spc="0" normalizeH="0" baseline="0">
+          <a:defRPr b="0" baseline="0" cap="none" i="0" spc="0" strike="noStrike" sz="1800" u="none" kumimoji="0" normalizeH="0">
             <a:ln>
               <a:noFill/>
             </a:ln>
@@ -5994,7 +5751,7 @@
           <a:buFontTx/>
           <a:buNone/>
           <a:tabLst/>
-          <a:defRPr kumimoji="0" sz="1800" b="0" i="0" u="none" strike="noStrike" cap="none" spc="0" normalizeH="0" baseline="0">
+          <a:defRPr b="0" baseline="0" cap="none" i="0" spc="0" strike="noStrike" sz="1800" u="none" kumimoji="0" normalizeH="0">
             <a:ln>
               <a:noFill/>
             </a:ln>
@@ -6020,7 +5777,7 @@
           <a:buFontTx/>
           <a:buNone/>
           <a:tabLst/>
-          <a:defRPr kumimoji="0" sz="1800" b="0" i="0" u="none" strike="noStrike" cap="none" spc="0" normalizeH="0" baseline="0">
+          <a:defRPr b="0" baseline="0" cap="none" i="0" spc="0" strike="noStrike" sz="1800" u="none" kumimoji="0" normalizeH="0">
             <a:ln>
               <a:noFill/>
             </a:ln>
@@ -6046,7 +5803,7 @@
           <a:buFontTx/>
           <a:buNone/>
           <a:tabLst/>
-          <a:defRPr kumimoji="0" sz="1800" b="0" i="0" u="none" strike="noStrike" cap="none" spc="0" normalizeH="0" baseline="0">
+          <a:defRPr b="0" baseline="0" cap="none" i="0" spc="0" strike="noStrike" sz="1800" u="none" kumimoji="0" normalizeH="0">
             <a:ln>
               <a:noFill/>
             </a:ln>
@@ -6059,15 +5816,9 @@
         </a:lvl9pPr>
       </a:lstStyle>
       <a:style>
-        <a:lnRef idx="0">
-          <a:scrgbClr r="0" g="0" b="0"/>
-        </a:lnRef>
-        <a:fillRef idx="0">
-          <a:scrgbClr r="0" g="0" b="0"/>
-        </a:fillRef>
-        <a:effectRef idx="0">
-          <a:scrgbClr r="0" g="0" b="0"/>
-        </a:effectRef>
+        <a:lnRef idx="0"/>
+        <a:fillRef idx="0"/>
+        <a:effectRef idx="0"/>
         <a:fontRef idx="none"/>
       </a:style>
     </a:spDef>
@@ -6084,7 +5835,7 @@
         <a:effectLst/>
         <a:sp3d/>
       </a:spPr>
-      <a:bodyPr rot="0" spcFirstLastPara="1" vertOverflow="overflow" horzOverflow="overflow" vert="horz" wrap="square" lIns="91439" tIns="45719" rIns="91439" bIns="45719" numCol="1" spcCol="38100" rtlCol="0" anchor="t">
+      <a:bodyPr rot="0" spcFirstLastPara="1" vertOverflow="overflow" horzOverflow="overflow" vert="horz" wrap="square" lIns="91439" tIns="45719" rIns="91439" bIns="45719" numCol="1" spcCol="38100" rtlCol="0" anchor="t" upright="0">
         <a:noAutofit/>
       </a:bodyPr>
       <a:lstStyle>
@@ -6103,7 +5854,7 @@
           <a:buFontTx/>
           <a:buNone/>
           <a:tabLst/>
-          <a:defRPr kumimoji="0" sz="1800" b="0" i="0" u="none" strike="noStrike" cap="none" spc="0" normalizeH="0" baseline="0">
+          <a:defRPr b="0" baseline="0" cap="none" i="0" spc="0" strike="noStrike" sz="1800" u="none" kumimoji="0" normalizeH="0">
             <a:ln>
               <a:noFill/>
             </a:ln>
@@ -6129,7 +5880,7 @@
           <a:buFontTx/>
           <a:buNone/>
           <a:tabLst/>
-          <a:defRPr kumimoji="0" sz="1800" b="0" i="0" u="none" strike="noStrike" cap="none" spc="0" normalizeH="0" baseline="0">
+          <a:defRPr b="0" baseline="0" cap="none" i="0" spc="0" strike="noStrike" sz="1800" u="none" kumimoji="0" normalizeH="0">
             <a:ln>
               <a:noFill/>
             </a:ln>
@@ -6155,7 +5906,7 @@
           <a:buFontTx/>
           <a:buNone/>
           <a:tabLst/>
-          <a:defRPr kumimoji="0" sz="1800" b="0" i="0" u="none" strike="noStrike" cap="none" spc="0" normalizeH="0" baseline="0">
+          <a:defRPr b="0" baseline="0" cap="none" i="0" spc="0" strike="noStrike" sz="1800" u="none" kumimoji="0" normalizeH="0">
             <a:ln>
               <a:noFill/>
             </a:ln>
@@ -6181,7 +5932,7 @@
           <a:buFontTx/>
           <a:buNone/>
           <a:tabLst/>
-          <a:defRPr kumimoji="0" sz="1800" b="0" i="0" u="none" strike="noStrike" cap="none" spc="0" normalizeH="0" baseline="0">
+          <a:defRPr b="0" baseline="0" cap="none" i="0" spc="0" strike="noStrike" sz="1800" u="none" kumimoji="0" normalizeH="0">
             <a:ln>
               <a:noFill/>
             </a:ln>
@@ -6207,7 +5958,7 @@
           <a:buFontTx/>
           <a:buNone/>
           <a:tabLst/>
-          <a:defRPr kumimoji="0" sz="1800" b="0" i="0" u="none" strike="noStrike" cap="none" spc="0" normalizeH="0" baseline="0">
+          <a:defRPr b="0" baseline="0" cap="none" i="0" spc="0" strike="noStrike" sz="1800" u="none" kumimoji="0" normalizeH="0">
             <a:ln>
               <a:noFill/>
             </a:ln>
@@ -6233,7 +5984,7 @@
           <a:buFontTx/>
           <a:buNone/>
           <a:tabLst/>
-          <a:defRPr kumimoji="0" sz="1800" b="0" i="0" u="none" strike="noStrike" cap="none" spc="0" normalizeH="0" baseline="0">
+          <a:defRPr b="0" baseline="0" cap="none" i="0" spc="0" strike="noStrike" sz="1800" u="none" kumimoji="0" normalizeH="0">
             <a:ln>
               <a:noFill/>
             </a:ln>
@@ -6259,7 +6010,7 @@
           <a:buFontTx/>
           <a:buNone/>
           <a:tabLst/>
-          <a:defRPr kumimoji="0" sz="1800" b="0" i="0" u="none" strike="noStrike" cap="none" spc="0" normalizeH="0" baseline="0">
+          <a:defRPr b="0" baseline="0" cap="none" i="0" spc="0" strike="noStrike" sz="1800" u="none" kumimoji="0" normalizeH="0">
             <a:ln>
               <a:noFill/>
             </a:ln>
@@ -6285,7 +6036,7 @@
           <a:buFontTx/>
           <a:buNone/>
           <a:tabLst/>
-          <a:defRPr kumimoji="0" sz="1800" b="0" i="0" u="none" strike="noStrike" cap="none" spc="0" normalizeH="0" baseline="0">
+          <a:defRPr b="0" baseline="0" cap="none" i="0" spc="0" strike="noStrike" sz="1800" u="none" kumimoji="0" normalizeH="0">
             <a:ln>
               <a:noFill/>
             </a:ln>
@@ -6311,7 +6062,7 @@
           <a:buFontTx/>
           <a:buNone/>
           <a:tabLst/>
-          <a:defRPr kumimoji="0" sz="1800" b="0" i="0" u="none" strike="noStrike" cap="none" spc="0" normalizeH="0" baseline="0">
+          <a:defRPr b="0" baseline="0" cap="none" i="0" spc="0" strike="noStrike" sz="1800" u="none" kumimoji="0" normalizeH="0">
             <a:ln>
               <a:noFill/>
             </a:ln>
@@ -6337,7 +6088,7 @@
           <a:buFontTx/>
           <a:buNone/>
           <a:tabLst/>
-          <a:defRPr kumimoji="0" sz="1800" b="0" i="0" u="none" strike="noStrike" cap="none" spc="0" normalizeH="0" baseline="0">
+          <a:defRPr b="0" baseline="0" cap="none" i="0" spc="0" strike="noStrike" sz="1800" u="none" kumimoji="0" normalizeH="0">
             <a:ln>
               <a:noFill/>
             </a:ln>
@@ -6350,15 +6101,9 @@
         </a:lvl9pPr>
       </a:lstStyle>
       <a:style>
-        <a:lnRef idx="0">
-          <a:scrgbClr r="0" g="0" b="0"/>
-        </a:lnRef>
-        <a:fillRef idx="0">
-          <a:scrgbClr r="0" g="0" b="0"/>
-        </a:fillRef>
-        <a:effectRef idx="0">
-          <a:scrgbClr r="0" g="0" b="0"/>
-        </a:effectRef>
+        <a:lnRef idx="0"/>
+        <a:fillRef idx="0"/>
+        <a:effectRef idx="0"/>
         <a:fontRef idx="none"/>
       </a:style>
     </a:lnDef>
@@ -6372,7 +6117,7 @@
         <a:effectLst/>
         <a:sp3d/>
       </a:spPr>
-      <a:bodyPr rot="0" spcFirstLastPara="1" vertOverflow="overflow" horzOverflow="overflow" vert="horz" wrap="square" lIns="50800" tIns="50800" rIns="50800" bIns="50800" numCol="1" spcCol="38100" rtlCol="0" anchor="ctr">
+      <a:bodyPr rot="0" spcFirstLastPara="1" vertOverflow="overflow" horzOverflow="overflow" vert="horz" wrap="square" lIns="50800" tIns="50800" rIns="50800" bIns="50800" numCol="1" spcCol="38100" rtlCol="0" anchor="ctr" upright="0">
         <a:spAutoFit/>
       </a:bodyPr>
       <a:lstStyle>
@@ -6391,7 +6136,7 @@
           <a:buFontTx/>
           <a:buNone/>
           <a:tabLst/>
-          <a:defRPr kumimoji="0" sz="2400" b="1" i="0" u="none" strike="noStrike" cap="none" spc="0" normalizeH="0" baseline="0">
+          <a:defRPr b="1" baseline="0" cap="none" i="0" spc="0" strike="noStrike" sz="2400" u="none" kumimoji="0" normalizeH="0">
             <a:ln>
               <a:noFill/>
             </a:ln>
@@ -6421,7 +6166,7 @@
           <a:buFontTx/>
           <a:buNone/>
           <a:tabLst/>
-          <a:defRPr kumimoji="0" sz="1800" b="0" i="0" u="none" strike="noStrike" cap="none" spc="0" normalizeH="0" baseline="0">
+          <a:defRPr b="0" baseline="0" cap="none" i="0" spc="0" strike="noStrike" sz="1800" u="none" kumimoji="0" normalizeH="0">
             <a:ln>
               <a:noFill/>
             </a:ln>
@@ -6447,7 +6192,7 @@
           <a:buFontTx/>
           <a:buNone/>
           <a:tabLst/>
-          <a:defRPr kumimoji="0" sz="1800" b="0" i="0" u="none" strike="noStrike" cap="none" spc="0" normalizeH="0" baseline="0">
+          <a:defRPr b="0" baseline="0" cap="none" i="0" spc="0" strike="noStrike" sz="1800" u="none" kumimoji="0" normalizeH="0">
             <a:ln>
               <a:noFill/>
             </a:ln>
@@ -6473,7 +6218,7 @@
           <a:buFontTx/>
           <a:buNone/>
           <a:tabLst/>
-          <a:defRPr kumimoji="0" sz="1800" b="0" i="0" u="none" strike="noStrike" cap="none" spc="0" normalizeH="0" baseline="0">
+          <a:defRPr b="0" baseline="0" cap="none" i="0" spc="0" strike="noStrike" sz="1800" u="none" kumimoji="0" normalizeH="0">
             <a:ln>
               <a:noFill/>
             </a:ln>
@@ -6499,7 +6244,7 @@
           <a:buFontTx/>
           <a:buNone/>
           <a:tabLst/>
-          <a:defRPr kumimoji="0" sz="1800" b="0" i="0" u="none" strike="noStrike" cap="none" spc="0" normalizeH="0" baseline="0">
+          <a:defRPr b="0" baseline="0" cap="none" i="0" spc="0" strike="noStrike" sz="1800" u="none" kumimoji="0" normalizeH="0">
             <a:ln>
               <a:noFill/>
             </a:ln>
@@ -6525,7 +6270,7 @@
           <a:buFontTx/>
           <a:buNone/>
           <a:tabLst/>
-          <a:defRPr kumimoji="0" sz="1800" b="0" i="0" u="none" strike="noStrike" cap="none" spc="0" normalizeH="0" baseline="0">
+          <a:defRPr b="0" baseline="0" cap="none" i="0" spc="0" strike="noStrike" sz="1800" u="none" kumimoji="0" normalizeH="0">
             <a:ln>
               <a:noFill/>
             </a:ln>
@@ -6551,7 +6296,7 @@
           <a:buFontTx/>
           <a:buNone/>
           <a:tabLst/>
-          <a:defRPr kumimoji="0" sz="1800" b="0" i="0" u="none" strike="noStrike" cap="none" spc="0" normalizeH="0" baseline="0">
+          <a:defRPr b="0" baseline="0" cap="none" i="0" spc="0" strike="noStrike" sz="1800" u="none" kumimoji="0" normalizeH="0">
             <a:ln>
               <a:noFill/>
             </a:ln>
@@ -6577,7 +6322,7 @@
           <a:buFontTx/>
           <a:buNone/>
           <a:tabLst/>
-          <a:defRPr kumimoji="0" sz="1800" b="0" i="0" u="none" strike="noStrike" cap="none" spc="0" normalizeH="0" baseline="0">
+          <a:defRPr b="0" baseline="0" cap="none" i="0" spc="0" strike="noStrike" sz="1800" u="none" kumimoji="0" normalizeH="0">
             <a:ln>
               <a:noFill/>
             </a:ln>
@@ -6603,7 +6348,7 @@
           <a:buFontTx/>
           <a:buNone/>
           <a:tabLst/>
-          <a:defRPr kumimoji="0" sz="1800" b="0" i="0" u="none" strike="noStrike" cap="none" spc="0" normalizeH="0" baseline="0">
+          <a:defRPr b="0" baseline="0" cap="none" i="0" spc="0" strike="noStrike" sz="1800" u="none" kumimoji="0" normalizeH="0">
             <a:ln>
               <a:noFill/>
             </a:ln>
@@ -6629,7 +6374,7 @@
           <a:buFontTx/>
           <a:buNone/>
           <a:tabLst/>
-          <a:defRPr kumimoji="0" sz="1800" b="0" i="0" u="none" strike="noStrike" cap="none" spc="0" normalizeH="0" baseline="0">
+          <a:defRPr b="0" baseline="0" cap="none" i="0" spc="0" strike="noStrike" sz="1800" u="none" kumimoji="0" normalizeH="0">
             <a:ln>
               <a:noFill/>
             </a:ln>
@@ -6642,19 +6387,12 @@
         </a:lvl9pPr>
       </a:lstStyle>
       <a:style>
-        <a:lnRef idx="0">
-          <a:scrgbClr r="0" g="0" b="0"/>
-        </a:lnRef>
-        <a:fillRef idx="0">
-          <a:scrgbClr r="0" g="0" b="0"/>
-        </a:fillRef>
-        <a:effectRef idx="0">
-          <a:scrgbClr r="0" g="0" b="0"/>
-        </a:effectRef>
+        <a:lnRef idx="0"/>
+        <a:fillRef idx="0"/>
+        <a:effectRef idx="0"/>
         <a:fontRef idx="none"/>
       </a:style>
     </a:txDef>
   </a:objectDefaults>
-  <a:extraClrSchemeLst/>
 </a:theme>
 </file>